--- a/kubernetes/k8s008.pptx
+++ b/kubernetes/k8s008.pptx
@@ -5,11 +5,13 @@
     <p:sldMasterId id="2147483648" r:id="rId1"/>
   </p:sldMasterIdLst>
   <p:notesMasterIdLst>
-    <p:notesMasterId r:id="rId4"/>
+    <p:notesMasterId r:id="rId6"/>
   </p:notesMasterIdLst>
   <p:sldIdLst>
     <p:sldId id="256" r:id="rId2"/>
-    <p:sldId id="285" r:id="rId3"/>
+    <p:sldId id="286" r:id="rId3"/>
+    <p:sldId id="287" r:id="rId4"/>
+    <p:sldId id="288" r:id="rId5"/>
   </p:sldIdLst>
   <p:sldSz cx="12192000" cy="6858000"/>
   <p:notesSz cx="6858000" cy="9144000"/>
@@ -198,7 +200,7 @@
           <a:p>
             <a:fld id="{63F136E3-80C6-A842-B275-74FC7A4265FC}" type="datetimeFigureOut">
               <a:rPr kumimoji="1" lang="zh-CN" altLang="en-US" smtClean="0"/>
-              <a:t>2019/6/23</a:t>
+              <a:t>2019/6/27</a:t>
             </a:fld>
             <a:endParaRPr kumimoji="1" lang="zh-CN" altLang="en-US"/>
           </a:p>
@@ -466,6 +468,769 @@
 </p:notesMaster>
 </file>
 
+<file path=ppt/notesSlides/notesSlide1.xml><?xml version="1.0" encoding="utf-8"?>
+<p:notes xmlns:a="http://schemas.openxmlformats.org/drawingml/2006/main" xmlns:r="http://schemas.openxmlformats.org/officeDocument/2006/relationships" xmlns:p="http://schemas.openxmlformats.org/presentationml/2006/main">
+  <p:cSld>
+    <p:spTree>
+      <p:nvGrpSpPr>
+        <p:cNvPr id="1" name=""/>
+        <p:cNvGrpSpPr/>
+        <p:nvPr/>
+      </p:nvGrpSpPr>
+      <p:grpSpPr>
+        <a:xfrm>
+          <a:off x="0" y="0"/>
+          <a:ext cx="0" cy="0"/>
+          <a:chOff x="0" y="0"/>
+          <a:chExt cx="0" cy="0"/>
+        </a:xfrm>
+      </p:grpSpPr>
+      <p:sp>
+        <p:nvSpPr>
+          <p:cNvPr id="2" name="幻灯片图像占位符 1"/>
+          <p:cNvSpPr>
+            <a:spLocks noGrp="1" noRot="1" noChangeAspect="1"/>
+          </p:cNvSpPr>
+          <p:nvPr>
+            <p:ph type="sldImg"/>
+          </p:nvPr>
+        </p:nvSpPr>
+        <p:spPr/>
+      </p:sp>
+      <p:sp>
+        <p:nvSpPr>
+          <p:cNvPr id="3" name="备注占位符 2"/>
+          <p:cNvSpPr>
+            <a:spLocks noGrp="1"/>
+          </p:cNvSpPr>
+          <p:nvPr>
+            <p:ph type="body" idx="1"/>
+          </p:nvPr>
+        </p:nvSpPr>
+        <p:spPr/>
+        <p:txBody>
+          <a:bodyPr/>
+          <a:lstStyle/>
+          <a:p>
+            <a:endParaRPr kumimoji="1" lang="zh-CN" altLang="en-US" dirty="0"/>
+          </a:p>
+        </p:txBody>
+      </p:sp>
+      <p:sp>
+        <p:nvSpPr>
+          <p:cNvPr id="4" name="幻灯片编号占位符 3"/>
+          <p:cNvSpPr>
+            <a:spLocks noGrp="1"/>
+          </p:cNvSpPr>
+          <p:nvPr>
+            <p:ph type="sldNum" sz="quarter" idx="10"/>
+          </p:nvPr>
+        </p:nvSpPr>
+        <p:spPr/>
+        <p:txBody>
+          <a:bodyPr/>
+          <a:lstStyle/>
+          <a:p>
+            <a:fld id="{2A48A843-6325-C940-A430-FD72B9AFF102}" type="slidenum">
+              <a:rPr kumimoji="1" lang="zh-CN" altLang="en-US" smtClean="0"/>
+              <a:t>3</a:t>
+            </a:fld>
+            <a:endParaRPr kumimoji="1" lang="zh-CN" altLang="en-US"/>
+          </a:p>
+        </p:txBody>
+      </p:sp>
+    </p:spTree>
+    <p:extLst>
+      <p:ext uri="{BB962C8B-B14F-4D97-AF65-F5344CB8AC3E}">
+        <p14:creationId xmlns:p14="http://schemas.microsoft.com/office/powerpoint/2010/main" val="162560962"/>
+      </p:ext>
+    </p:extLst>
+  </p:cSld>
+  <p:clrMapOvr>
+    <a:masterClrMapping/>
+  </p:clrMapOvr>
+</p:notes>
+</file>
+
+<file path=ppt/notesSlides/notesSlide2.xml><?xml version="1.0" encoding="utf-8"?>
+<p:notes xmlns:a="http://schemas.openxmlformats.org/drawingml/2006/main" xmlns:r="http://schemas.openxmlformats.org/officeDocument/2006/relationships" xmlns:p="http://schemas.openxmlformats.org/presentationml/2006/main">
+  <p:cSld>
+    <p:spTree>
+      <p:nvGrpSpPr>
+        <p:cNvPr id="1" name=""/>
+        <p:cNvGrpSpPr/>
+        <p:nvPr/>
+      </p:nvGrpSpPr>
+      <p:grpSpPr>
+        <a:xfrm>
+          <a:off x="0" y="0"/>
+          <a:ext cx="0" cy="0"/>
+          <a:chOff x="0" y="0"/>
+          <a:chExt cx="0" cy="0"/>
+        </a:xfrm>
+      </p:grpSpPr>
+      <p:sp>
+        <p:nvSpPr>
+          <p:cNvPr id="2" name="幻灯片图像占位符 1"/>
+          <p:cNvSpPr>
+            <a:spLocks noGrp="1" noRot="1" noChangeAspect="1"/>
+          </p:cNvSpPr>
+          <p:nvPr>
+            <p:ph type="sldImg"/>
+          </p:nvPr>
+        </p:nvSpPr>
+        <p:spPr/>
+      </p:sp>
+      <p:sp>
+        <p:nvSpPr>
+          <p:cNvPr id="3" name="备注占位符 2"/>
+          <p:cNvSpPr>
+            <a:spLocks noGrp="1"/>
+          </p:cNvSpPr>
+          <p:nvPr>
+            <p:ph type="body" idx="1"/>
+          </p:nvPr>
+        </p:nvSpPr>
+        <p:spPr/>
+        <p:txBody>
+          <a:bodyPr/>
+          <a:lstStyle/>
+          <a:p>
+            <a:r>
+              <a:rPr lang="zh-CN" altLang="en-US" sz="1200" b="0" kern="1200" dirty="0" smtClean="0">
+                <a:solidFill>
+                  <a:schemeClr val="tx1"/>
+                </a:solidFill>
+                <a:effectLst/>
+                <a:latin typeface="+mn-lt"/>
+                <a:ea typeface="+mn-ea"/>
+                <a:cs typeface="+mn-cs"/>
+              </a:rPr>
+              <a:t>实际上，这套流程不仅可以用在自定义 </a:t>
+            </a:r>
+            <a:r>
+              <a:rPr lang="en-US" altLang="zh-CN" sz="1200" b="0" kern="1200" dirty="0" smtClean="0">
+                <a:solidFill>
+                  <a:schemeClr val="tx1"/>
+                </a:solidFill>
+                <a:effectLst/>
+                <a:latin typeface="+mn-lt"/>
+                <a:ea typeface="+mn-ea"/>
+                <a:cs typeface="+mn-cs"/>
+              </a:rPr>
+              <a:t>API </a:t>
+            </a:r>
+            <a:r>
+              <a:rPr lang="zh-CN" altLang="en-US" sz="1200" b="0" kern="1200" dirty="0" smtClean="0">
+                <a:solidFill>
+                  <a:schemeClr val="tx1"/>
+                </a:solidFill>
+                <a:effectLst/>
+                <a:latin typeface="+mn-lt"/>
+                <a:ea typeface="+mn-ea"/>
+                <a:cs typeface="+mn-cs"/>
+              </a:rPr>
+              <a:t>资源上，也完全可以用在 </a:t>
+            </a:r>
+            <a:r>
+              <a:rPr lang="en-US" altLang="zh-CN" sz="1200" b="0" kern="1200" dirty="0" smtClean="0">
+                <a:solidFill>
+                  <a:schemeClr val="tx1"/>
+                </a:solidFill>
+                <a:effectLst/>
+                <a:latin typeface="+mn-lt"/>
+                <a:ea typeface="+mn-ea"/>
+                <a:cs typeface="+mn-cs"/>
+              </a:rPr>
+              <a:t>Kubernetes </a:t>
+            </a:r>
+            <a:r>
+              <a:rPr lang="zh-CN" altLang="en-US" sz="1200" b="0" kern="1200" dirty="0" smtClean="0">
+                <a:solidFill>
+                  <a:schemeClr val="tx1"/>
+                </a:solidFill>
+                <a:effectLst/>
+                <a:latin typeface="+mn-lt"/>
+                <a:ea typeface="+mn-ea"/>
+                <a:cs typeface="+mn-cs"/>
+              </a:rPr>
+              <a:t>原生的默认 </a:t>
+            </a:r>
+            <a:r>
+              <a:rPr lang="en-US" altLang="zh-CN" sz="1200" b="0" kern="1200" dirty="0" smtClean="0">
+                <a:solidFill>
+                  <a:schemeClr val="tx1"/>
+                </a:solidFill>
+                <a:effectLst/>
+                <a:latin typeface="+mn-lt"/>
+                <a:ea typeface="+mn-ea"/>
+                <a:cs typeface="+mn-cs"/>
+              </a:rPr>
+              <a:t>API </a:t>
+            </a:r>
+            <a:r>
+              <a:rPr lang="zh-CN" altLang="en-US" sz="1200" b="0" kern="1200" dirty="0" smtClean="0">
+                <a:solidFill>
+                  <a:schemeClr val="tx1"/>
+                </a:solidFill>
+                <a:effectLst/>
+                <a:latin typeface="+mn-lt"/>
+                <a:ea typeface="+mn-ea"/>
+                <a:cs typeface="+mn-cs"/>
+              </a:rPr>
+              <a:t>对象上。</a:t>
+            </a:r>
+            <a:endParaRPr lang="zh-CN" altLang="en-US" b="0" dirty="0" smtClean="0">
+              <a:effectLst/>
+            </a:endParaRPr>
+          </a:p>
+          <a:p>
+            <a:r>
+              <a:rPr lang="zh-CN" altLang="en-US" sz="1200" b="0" kern="1200" dirty="0" smtClean="0">
+                <a:solidFill>
+                  <a:schemeClr val="tx1"/>
+                </a:solidFill>
+                <a:effectLst/>
+                <a:latin typeface="+mn-lt"/>
+                <a:ea typeface="+mn-ea"/>
+                <a:cs typeface="+mn-cs"/>
+              </a:rPr>
+              <a:t>比如，我们在 </a:t>
+            </a:r>
+            <a:r>
+              <a:rPr lang="en-US" altLang="zh-CN" sz="1200" b="0" kern="1200" dirty="0" smtClean="0">
+                <a:solidFill>
+                  <a:schemeClr val="tx1"/>
+                </a:solidFill>
+                <a:effectLst/>
+                <a:latin typeface="+mn-lt"/>
+                <a:ea typeface="+mn-ea"/>
+                <a:cs typeface="+mn-cs"/>
+              </a:rPr>
+              <a:t>main </a:t>
+            </a:r>
+            <a:r>
+              <a:rPr lang="zh-CN" altLang="en-US" sz="1200" b="0" kern="1200" dirty="0" smtClean="0">
+                <a:solidFill>
+                  <a:schemeClr val="tx1"/>
+                </a:solidFill>
+                <a:effectLst/>
+                <a:latin typeface="+mn-lt"/>
+                <a:ea typeface="+mn-ea"/>
+                <a:cs typeface="+mn-cs"/>
+              </a:rPr>
+              <a:t>函数里，除了创建一个 </a:t>
+            </a:r>
+            <a:r>
+              <a:rPr lang="en-US" altLang="zh-CN" sz="1200" b="0" kern="1200" dirty="0" smtClean="0">
+                <a:solidFill>
+                  <a:schemeClr val="tx1"/>
+                </a:solidFill>
+                <a:effectLst/>
+                <a:latin typeface="+mn-lt"/>
+                <a:ea typeface="+mn-ea"/>
+                <a:cs typeface="+mn-cs"/>
+              </a:rPr>
+              <a:t>Network Informer </a:t>
+            </a:r>
+            <a:r>
+              <a:rPr lang="zh-CN" altLang="en-US" sz="1200" b="0" kern="1200" dirty="0" smtClean="0">
+                <a:solidFill>
+                  <a:schemeClr val="tx1"/>
+                </a:solidFill>
+                <a:effectLst/>
+                <a:latin typeface="+mn-lt"/>
+                <a:ea typeface="+mn-ea"/>
+                <a:cs typeface="+mn-cs"/>
+              </a:rPr>
+              <a:t>外，还可以初始化一个 </a:t>
+            </a:r>
+            <a:r>
+              <a:rPr lang="en-US" altLang="zh-CN" sz="1200" b="0" kern="1200" dirty="0" smtClean="0">
+                <a:solidFill>
+                  <a:schemeClr val="tx1"/>
+                </a:solidFill>
+                <a:effectLst/>
+                <a:latin typeface="+mn-lt"/>
+                <a:ea typeface="+mn-ea"/>
+                <a:cs typeface="+mn-cs"/>
+              </a:rPr>
+              <a:t>Kubernetes </a:t>
+            </a:r>
+            <a:r>
+              <a:rPr lang="zh-CN" altLang="en-US" sz="1200" b="0" kern="1200" dirty="0" smtClean="0">
+                <a:solidFill>
+                  <a:schemeClr val="tx1"/>
+                </a:solidFill>
+                <a:effectLst/>
+                <a:latin typeface="+mn-lt"/>
+                <a:ea typeface="+mn-ea"/>
+                <a:cs typeface="+mn-cs"/>
+              </a:rPr>
+              <a:t>默认 </a:t>
+            </a:r>
+            <a:r>
+              <a:rPr lang="en-US" altLang="zh-CN" sz="1200" b="0" kern="1200" dirty="0" smtClean="0">
+                <a:solidFill>
+                  <a:schemeClr val="tx1"/>
+                </a:solidFill>
+                <a:effectLst/>
+                <a:latin typeface="+mn-lt"/>
+                <a:ea typeface="+mn-ea"/>
+                <a:cs typeface="+mn-cs"/>
+              </a:rPr>
+              <a:t>API </a:t>
+            </a:r>
+            <a:r>
+              <a:rPr lang="zh-CN" altLang="en-US" sz="1200" b="0" kern="1200" dirty="0" smtClean="0">
+                <a:solidFill>
+                  <a:schemeClr val="tx1"/>
+                </a:solidFill>
+                <a:effectLst/>
+                <a:latin typeface="+mn-lt"/>
+                <a:ea typeface="+mn-ea"/>
+                <a:cs typeface="+mn-cs"/>
+              </a:rPr>
+              <a:t>对象的 </a:t>
+            </a:r>
+            <a:r>
+              <a:rPr lang="en-US" altLang="zh-CN" sz="1200" b="0" kern="1200" dirty="0" smtClean="0">
+                <a:solidFill>
+                  <a:schemeClr val="tx1"/>
+                </a:solidFill>
+                <a:effectLst/>
+                <a:latin typeface="+mn-lt"/>
+                <a:ea typeface="+mn-ea"/>
+                <a:cs typeface="+mn-cs"/>
+              </a:rPr>
+              <a:t>Informer </a:t>
+            </a:r>
+            <a:r>
+              <a:rPr lang="zh-CN" altLang="en-US" sz="1200" b="0" kern="1200" dirty="0" smtClean="0">
+                <a:solidFill>
+                  <a:schemeClr val="tx1"/>
+                </a:solidFill>
+                <a:effectLst/>
+                <a:latin typeface="+mn-lt"/>
+                <a:ea typeface="+mn-ea"/>
+                <a:cs typeface="+mn-cs"/>
+              </a:rPr>
+              <a:t>工厂，比如 </a:t>
+            </a:r>
+            <a:r>
+              <a:rPr lang="en-US" altLang="zh-CN" sz="1200" b="0" kern="1200" dirty="0" smtClean="0">
+                <a:solidFill>
+                  <a:schemeClr val="tx1"/>
+                </a:solidFill>
+                <a:effectLst/>
+                <a:latin typeface="+mn-lt"/>
+                <a:ea typeface="+mn-ea"/>
+                <a:cs typeface="+mn-cs"/>
+              </a:rPr>
+              <a:t>Deployment </a:t>
+            </a:r>
+            <a:r>
+              <a:rPr lang="zh-CN" altLang="en-US" sz="1200" b="0" kern="1200" dirty="0" smtClean="0">
+                <a:solidFill>
+                  <a:schemeClr val="tx1"/>
+                </a:solidFill>
+                <a:effectLst/>
+                <a:latin typeface="+mn-lt"/>
+                <a:ea typeface="+mn-ea"/>
+                <a:cs typeface="+mn-cs"/>
+              </a:rPr>
+              <a:t>对象的 </a:t>
+            </a:r>
+            <a:r>
+              <a:rPr lang="en-US" altLang="zh-CN" sz="1200" b="0" kern="1200" dirty="0" smtClean="0">
+                <a:solidFill>
+                  <a:schemeClr val="tx1"/>
+                </a:solidFill>
+                <a:effectLst/>
+                <a:latin typeface="+mn-lt"/>
+                <a:ea typeface="+mn-ea"/>
+                <a:cs typeface="+mn-cs"/>
+              </a:rPr>
+              <a:t>Informer</a:t>
+            </a:r>
+            <a:endParaRPr lang="zh-CN" altLang="en-US" b="0" dirty="0" smtClean="0">
+              <a:effectLst/>
+            </a:endParaRPr>
+          </a:p>
+          <a:p>
+            <a:r>
+              <a:rPr lang="zh-CN" altLang="en-US" sz="1200" b="0" kern="1200" dirty="0" smtClean="0">
+                <a:solidFill>
+                  <a:schemeClr val="tx1"/>
+                </a:solidFill>
+                <a:effectLst/>
+                <a:latin typeface="+mn-lt"/>
+                <a:ea typeface="+mn-ea"/>
+                <a:cs typeface="+mn-cs"/>
+              </a:rPr>
+              <a:t>而有了这个 </a:t>
+            </a:r>
+            <a:r>
+              <a:rPr lang="en-US" altLang="zh-CN" sz="1200" b="0" kern="1200" dirty="0" smtClean="0">
+                <a:solidFill>
+                  <a:schemeClr val="tx1"/>
+                </a:solidFill>
+                <a:effectLst/>
+                <a:latin typeface="+mn-lt"/>
+                <a:ea typeface="+mn-ea"/>
+                <a:cs typeface="+mn-cs"/>
+              </a:rPr>
+              <a:t>Deployment Informer </a:t>
+            </a:r>
+            <a:r>
+              <a:rPr lang="zh-CN" altLang="en-US" sz="1200" b="0" kern="1200" dirty="0" smtClean="0">
+                <a:solidFill>
+                  <a:schemeClr val="tx1"/>
+                </a:solidFill>
+                <a:effectLst/>
+                <a:latin typeface="+mn-lt"/>
+                <a:ea typeface="+mn-ea"/>
+                <a:cs typeface="+mn-cs"/>
+              </a:rPr>
+              <a:t>后，这个控制器也就持有了所有 </a:t>
+            </a:r>
+            <a:r>
+              <a:rPr lang="en-US" altLang="zh-CN" sz="1200" b="0" kern="1200" dirty="0" smtClean="0">
+                <a:solidFill>
+                  <a:schemeClr val="tx1"/>
+                </a:solidFill>
+                <a:effectLst/>
+                <a:latin typeface="+mn-lt"/>
+                <a:ea typeface="+mn-ea"/>
+                <a:cs typeface="+mn-cs"/>
+              </a:rPr>
+              <a:t>Deployment </a:t>
+            </a:r>
+            <a:r>
+              <a:rPr lang="zh-CN" altLang="en-US" sz="1200" b="0" kern="1200" dirty="0" smtClean="0">
+                <a:solidFill>
+                  <a:schemeClr val="tx1"/>
+                </a:solidFill>
+                <a:effectLst/>
+                <a:latin typeface="+mn-lt"/>
+                <a:ea typeface="+mn-ea"/>
+                <a:cs typeface="+mn-cs"/>
+              </a:rPr>
+              <a:t>对象的信息。接下来，它既可以通过 </a:t>
+            </a:r>
+            <a:r>
+              <a:rPr lang="en-US" altLang="zh-CN" sz="1200" b="0" kern="1200" dirty="0" err="1" smtClean="0">
+                <a:solidFill>
+                  <a:schemeClr val="tx1"/>
+                </a:solidFill>
+                <a:effectLst/>
+                <a:latin typeface="+mn-lt"/>
+                <a:ea typeface="+mn-ea"/>
+                <a:cs typeface="+mn-cs"/>
+              </a:rPr>
+              <a:t>deploymentInformer.Lister</a:t>
+            </a:r>
+            <a:r>
+              <a:rPr lang="en-US" altLang="zh-CN" sz="1200" b="0" kern="1200" dirty="0" smtClean="0">
+                <a:solidFill>
+                  <a:schemeClr val="tx1"/>
+                </a:solidFill>
+                <a:effectLst/>
+                <a:latin typeface="+mn-lt"/>
+                <a:ea typeface="+mn-ea"/>
+                <a:cs typeface="+mn-cs"/>
+              </a:rPr>
+              <a:t>() </a:t>
+            </a:r>
+            <a:r>
+              <a:rPr lang="zh-CN" altLang="en-US" sz="1200" b="0" kern="1200" dirty="0" smtClean="0">
+                <a:solidFill>
+                  <a:schemeClr val="tx1"/>
+                </a:solidFill>
+                <a:effectLst/>
+                <a:latin typeface="+mn-lt"/>
+                <a:ea typeface="+mn-ea"/>
+                <a:cs typeface="+mn-cs"/>
+              </a:rPr>
+              <a:t>来获取 </a:t>
+            </a:r>
+            <a:r>
+              <a:rPr lang="en-US" altLang="zh-CN" sz="1200" b="0" kern="1200" dirty="0" err="1" smtClean="0">
+                <a:solidFill>
+                  <a:schemeClr val="tx1"/>
+                </a:solidFill>
+                <a:effectLst/>
+                <a:latin typeface="+mn-lt"/>
+                <a:ea typeface="+mn-ea"/>
+                <a:cs typeface="+mn-cs"/>
+              </a:rPr>
+              <a:t>Etcd</a:t>
+            </a:r>
+            <a:r>
+              <a:rPr lang="en-US" altLang="zh-CN" sz="1200" b="0" kern="1200" dirty="0" smtClean="0">
+                <a:solidFill>
+                  <a:schemeClr val="tx1"/>
+                </a:solidFill>
+                <a:effectLst/>
+                <a:latin typeface="+mn-lt"/>
+                <a:ea typeface="+mn-ea"/>
+                <a:cs typeface="+mn-cs"/>
+              </a:rPr>
+              <a:t> </a:t>
+            </a:r>
+            <a:r>
+              <a:rPr lang="zh-CN" altLang="en-US" sz="1200" b="0" kern="1200" dirty="0" smtClean="0">
+                <a:solidFill>
+                  <a:schemeClr val="tx1"/>
+                </a:solidFill>
+                <a:effectLst/>
+                <a:latin typeface="+mn-lt"/>
+                <a:ea typeface="+mn-ea"/>
+                <a:cs typeface="+mn-cs"/>
+              </a:rPr>
+              <a:t>里的所有 </a:t>
+            </a:r>
+            <a:r>
+              <a:rPr lang="en-US" altLang="zh-CN" sz="1200" b="0" kern="1200" dirty="0" smtClean="0">
+                <a:solidFill>
+                  <a:schemeClr val="tx1"/>
+                </a:solidFill>
+                <a:effectLst/>
+                <a:latin typeface="+mn-lt"/>
+                <a:ea typeface="+mn-ea"/>
+                <a:cs typeface="+mn-cs"/>
+              </a:rPr>
+              <a:t>Deployment </a:t>
+            </a:r>
+            <a:r>
+              <a:rPr lang="zh-CN" altLang="en-US" sz="1200" b="0" kern="1200" dirty="0" smtClean="0">
+                <a:solidFill>
+                  <a:schemeClr val="tx1"/>
+                </a:solidFill>
+                <a:effectLst/>
+                <a:latin typeface="+mn-lt"/>
+                <a:ea typeface="+mn-ea"/>
+                <a:cs typeface="+mn-cs"/>
+              </a:rPr>
+              <a:t>对象，也可以为这个 </a:t>
+            </a:r>
+            <a:r>
+              <a:rPr lang="en-US" altLang="zh-CN" sz="1200" b="0" kern="1200" dirty="0" smtClean="0">
+                <a:solidFill>
+                  <a:schemeClr val="tx1"/>
+                </a:solidFill>
+                <a:effectLst/>
+                <a:latin typeface="+mn-lt"/>
+                <a:ea typeface="+mn-ea"/>
+                <a:cs typeface="+mn-cs"/>
+              </a:rPr>
+              <a:t>Deployment Informer </a:t>
+            </a:r>
+            <a:r>
+              <a:rPr lang="zh-CN" altLang="en-US" sz="1200" b="0" kern="1200" dirty="0" smtClean="0">
+                <a:solidFill>
+                  <a:schemeClr val="tx1"/>
+                </a:solidFill>
+                <a:effectLst/>
+                <a:latin typeface="+mn-lt"/>
+                <a:ea typeface="+mn-ea"/>
+                <a:cs typeface="+mn-cs"/>
+              </a:rPr>
+              <a:t>注册具体的 </a:t>
+            </a:r>
+            <a:r>
+              <a:rPr lang="en-US" altLang="zh-CN" sz="1200" b="0" kern="1200" dirty="0" smtClean="0">
+                <a:solidFill>
+                  <a:schemeClr val="tx1"/>
+                </a:solidFill>
+                <a:effectLst/>
+                <a:latin typeface="+mn-lt"/>
+                <a:ea typeface="+mn-ea"/>
+                <a:cs typeface="+mn-cs"/>
+              </a:rPr>
+              <a:t>Handler </a:t>
+            </a:r>
+            <a:r>
+              <a:rPr lang="zh-CN" altLang="en-US" sz="1200" b="0" kern="1200" dirty="0" smtClean="0">
+                <a:solidFill>
+                  <a:schemeClr val="tx1"/>
+                </a:solidFill>
+                <a:effectLst/>
+                <a:latin typeface="+mn-lt"/>
+                <a:ea typeface="+mn-ea"/>
+                <a:cs typeface="+mn-cs"/>
+              </a:rPr>
+              <a:t>来。</a:t>
+            </a:r>
+            <a:endParaRPr lang="zh-CN" altLang="en-US" b="0" dirty="0" smtClean="0">
+              <a:effectLst/>
+            </a:endParaRPr>
+          </a:p>
+          <a:p>
+            <a:r>
+              <a:rPr lang="zh-CN" altLang="en-US" sz="1200" b="0" kern="1200" dirty="0" smtClean="0">
+                <a:solidFill>
+                  <a:schemeClr val="tx1"/>
+                </a:solidFill>
+                <a:effectLst/>
+                <a:latin typeface="+mn-lt"/>
+                <a:ea typeface="+mn-ea"/>
+                <a:cs typeface="+mn-cs"/>
+              </a:rPr>
+              <a:t>更重要的是，</a:t>
+            </a:r>
+            <a:r>
+              <a:rPr lang="zh-CN" altLang="en-US" b="0" dirty="0" smtClean="0">
+                <a:effectLst/>
+              </a:rPr>
+              <a:t>这就使得在这个自定义控制器里面，我可以通过对自定义 </a:t>
+            </a:r>
+            <a:r>
+              <a:rPr lang="en-US" altLang="zh-CN" b="0" dirty="0" smtClean="0">
+                <a:effectLst/>
+              </a:rPr>
+              <a:t>API </a:t>
+            </a:r>
+            <a:r>
+              <a:rPr lang="zh-CN" altLang="en-US" b="0" dirty="0" smtClean="0">
+                <a:effectLst/>
+              </a:rPr>
+              <a:t>对象和默认 </a:t>
+            </a:r>
+            <a:r>
+              <a:rPr lang="en-US" altLang="zh-CN" b="0" dirty="0" smtClean="0">
+                <a:effectLst/>
+              </a:rPr>
+              <a:t>API </a:t>
+            </a:r>
+            <a:r>
+              <a:rPr lang="zh-CN" altLang="en-US" b="0" dirty="0" smtClean="0">
+                <a:effectLst/>
+              </a:rPr>
+              <a:t>对象进行协同，从而实现更加复杂的编排功能</a:t>
+            </a:r>
+            <a:r>
+              <a:rPr lang="zh-CN" altLang="en-US" sz="1200" b="0" kern="1200" dirty="0" smtClean="0">
+                <a:solidFill>
+                  <a:schemeClr val="tx1"/>
+                </a:solidFill>
+                <a:effectLst/>
+                <a:latin typeface="+mn-lt"/>
+                <a:ea typeface="+mn-ea"/>
+                <a:cs typeface="+mn-cs"/>
+              </a:rPr>
+              <a:t>。</a:t>
+            </a:r>
+            <a:endParaRPr lang="zh-CN" altLang="en-US" b="0" dirty="0" smtClean="0">
+              <a:effectLst/>
+            </a:endParaRPr>
+          </a:p>
+          <a:p>
+            <a:r>
+              <a:rPr lang="zh-CN" altLang="en-US" sz="1200" b="0" kern="1200" dirty="0" smtClean="0">
+                <a:solidFill>
+                  <a:schemeClr val="tx1"/>
+                </a:solidFill>
+                <a:effectLst/>
+                <a:latin typeface="+mn-lt"/>
+                <a:ea typeface="+mn-ea"/>
+                <a:cs typeface="+mn-cs"/>
+              </a:rPr>
+              <a:t>比如：用户每创建一个新的 </a:t>
+            </a:r>
+            <a:r>
+              <a:rPr lang="en-US" altLang="zh-CN" sz="1200" b="0" kern="1200" dirty="0" smtClean="0">
+                <a:solidFill>
+                  <a:schemeClr val="tx1"/>
+                </a:solidFill>
+                <a:effectLst/>
+                <a:latin typeface="+mn-lt"/>
+                <a:ea typeface="+mn-ea"/>
+                <a:cs typeface="+mn-cs"/>
+              </a:rPr>
+              <a:t>Deployment</a:t>
+            </a:r>
+            <a:r>
+              <a:rPr lang="zh-CN" altLang="en-US" sz="1200" b="0" kern="1200" dirty="0" smtClean="0">
+                <a:solidFill>
+                  <a:schemeClr val="tx1"/>
+                </a:solidFill>
+                <a:effectLst/>
+                <a:latin typeface="+mn-lt"/>
+                <a:ea typeface="+mn-ea"/>
+                <a:cs typeface="+mn-cs"/>
+              </a:rPr>
+              <a:t>，这个自定义控制器，就可以为它创建一个对应的 </a:t>
+            </a:r>
+            <a:r>
+              <a:rPr lang="en-US" altLang="zh-CN" sz="1200" b="0" kern="1200" dirty="0" smtClean="0">
+                <a:solidFill>
+                  <a:schemeClr val="tx1"/>
+                </a:solidFill>
+                <a:effectLst/>
+                <a:latin typeface="+mn-lt"/>
+                <a:ea typeface="+mn-ea"/>
+                <a:cs typeface="+mn-cs"/>
+              </a:rPr>
+              <a:t>Network </a:t>
+            </a:r>
+            <a:r>
+              <a:rPr lang="zh-CN" altLang="en-US" sz="1200" b="0" kern="1200" dirty="0" smtClean="0">
+                <a:solidFill>
+                  <a:schemeClr val="tx1"/>
+                </a:solidFill>
+                <a:effectLst/>
+                <a:latin typeface="+mn-lt"/>
+                <a:ea typeface="+mn-ea"/>
+                <a:cs typeface="+mn-cs"/>
+              </a:rPr>
+              <a:t>供它使用。</a:t>
+            </a:r>
+            <a:endParaRPr lang="zh-CN" altLang="en-US" b="0" dirty="0" smtClean="0">
+              <a:effectLst/>
+            </a:endParaRPr>
+          </a:p>
+          <a:p>
+            <a:endParaRPr kumimoji="1" lang="zh-CN" altLang="en-US" b="0" dirty="0"/>
+          </a:p>
+        </p:txBody>
+      </p:sp>
+      <p:sp>
+        <p:nvSpPr>
+          <p:cNvPr id="4" name="幻灯片编号占位符 3"/>
+          <p:cNvSpPr>
+            <a:spLocks noGrp="1"/>
+          </p:cNvSpPr>
+          <p:nvPr>
+            <p:ph type="sldNum" sz="quarter" idx="10"/>
+          </p:nvPr>
+        </p:nvSpPr>
+        <p:spPr/>
+        <p:txBody>
+          <a:bodyPr/>
+          <a:lstStyle/>
+          <a:p>
+            <a:fld id="{2A48A843-6325-C940-A430-FD72B9AFF102}" type="slidenum">
+              <a:rPr kumimoji="1" lang="zh-CN" altLang="en-US" smtClean="0"/>
+              <a:t>4</a:t>
+            </a:fld>
+            <a:endParaRPr kumimoji="1" lang="zh-CN" altLang="en-US"/>
+          </a:p>
+        </p:txBody>
+      </p:sp>
+    </p:spTree>
+    <p:extLst>
+      <p:ext uri="{BB962C8B-B14F-4D97-AF65-F5344CB8AC3E}">
+        <p14:creationId xmlns:p14="http://schemas.microsoft.com/office/powerpoint/2010/main" val="986830146"/>
+      </p:ext>
+    </p:extLst>
+  </p:cSld>
+  <p:clrMapOvr>
+    <a:masterClrMapping/>
+  </p:clrMapOvr>
+</p:notes>
+</file>
+
 <file path=ppt/slideLayouts/slideLayout1.xml><?xml version="1.0" encoding="utf-8"?>
 <p:sldLayout xmlns:a="http://schemas.openxmlformats.org/drawingml/2006/main" xmlns:r="http://schemas.openxmlformats.org/officeDocument/2006/relationships" xmlns:p="http://schemas.openxmlformats.org/presentationml/2006/main" type="title" preserve="1">
   <p:cSld name="标题幻灯片">
@@ -561,7 +1326,7 @@
           <a:effectLst/>
           <a:extLst>
             <a:ext uri="{91240B29-F687-4f45-9708-019B960494DF}">
-              <a14:hiddenLine xmlns="" xmlns:a14="http://schemas.microsoft.com/office/drawing/2010/main" w="9525">
+              <a14:hiddenLine xmlns:a14="http://schemas.microsoft.com/office/drawing/2010/main" xmlns="" w="9525">
                 <a:solidFill>
                   <a:srgbClr val="000000"/>
                 </a:solidFill>
@@ -754,7 +1519,7 @@
             <a:fld id="{08B9EBBA-996F-894A-B54A-D6246ED52CEA}" type="datetimeFigureOut">
               <a:rPr lang="en-US" dirty="0"/>
               <a:pPr/>
-              <a:t>6/23/19</a:t>
+              <a:t>6/27/19</a:t>
             </a:fld>
             <a:endParaRPr lang="en-US" dirty="0"/>
           </a:p>
@@ -1069,7 +1834,7 @@
             <a:fld id="{18C79C5D-2A6F-F04D-97DA-BEF2467B64E4}" type="datetimeFigureOut">
               <a:rPr lang="en-US" dirty="0"/>
               <a:pPr/>
-              <a:t>6/23/19</a:t>
+              <a:t>6/27/19</a:t>
             </a:fld>
             <a:endParaRPr lang="en-US" dirty="0"/>
           </a:p>
@@ -1554,7 +2319,7 @@
             <a:fld id="{8DFA1846-DA80-1C48-A609-854EA85C59AD}" type="datetimeFigureOut">
               <a:rPr lang="en-US" dirty="0"/>
               <a:pPr/>
-              <a:t>6/23/19</a:t>
+              <a:t>6/27/19</a:t>
             </a:fld>
             <a:endParaRPr lang="en-US" dirty="0"/>
           </a:p>
@@ -1920,7 +2685,7 @@
             <a:fld id="{FBF54567-0DE4-3F47-BF90-CB84690072F9}" type="datetimeFigureOut">
               <a:rPr lang="en-US" dirty="0"/>
               <a:pPr/>
-              <a:t>6/23/19</a:t>
+              <a:t>6/27/19</a:t>
             </a:fld>
             <a:endParaRPr lang="en-US" dirty="0"/>
           </a:p>
@@ -2071,7 +2836,7 @@
           <a:ln/>
           <a:extLst>
             <a:ext uri="{91240B29-F687-4f45-9708-019B960494DF}">
-              <a14:hiddenLine xmlns="" xmlns:a14="http://schemas.microsoft.com/office/drawing/2010/main" w="9525">
+              <a14:hiddenLine xmlns:a14="http://schemas.microsoft.com/office/drawing/2010/main" xmlns="" w="9525">
                 <a:solidFill>
                   <a:srgbClr val="000000"/>
                 </a:solidFill>
@@ -2190,7 +2955,7 @@
             <a:fld id="{C6C52C72-DE31-F449-A4ED-4C594FD91407}" type="datetimeFigureOut">
               <a:rPr lang="en-US" dirty="0"/>
               <a:pPr/>
-              <a:t>6/23/19</a:t>
+              <a:t>6/27/19</a:t>
             </a:fld>
             <a:endParaRPr lang="en-US" dirty="0"/>
           </a:p>
@@ -2343,7 +3108,7 @@
           <a:ln/>
           <a:extLst>
             <a:ext uri="{91240B29-F687-4f45-9708-019B960494DF}">
-              <a14:hiddenLine xmlns="" xmlns:a14="http://schemas.microsoft.com/office/drawing/2010/main" w="9525">
+              <a14:hiddenLine xmlns:a14="http://schemas.microsoft.com/office/drawing/2010/main" xmlns="" w="9525">
                 <a:solidFill>
                   <a:srgbClr val="000000"/>
                 </a:solidFill>
@@ -2472,7 +3237,7 @@
             <a:fld id="{ED62726E-379B-B349-9EED-81ED093FA806}" type="datetimeFigureOut">
               <a:rPr lang="en-US" dirty="0"/>
               <a:pPr/>
-              <a:t>6/23/19</a:t>
+              <a:t>6/27/19</a:t>
             </a:fld>
             <a:endParaRPr lang="en-US" dirty="0"/>
           </a:p>
@@ -2623,7 +3388,7 @@
           <a:ln/>
           <a:extLst>
             <a:ext uri="{91240B29-F687-4f45-9708-019B960494DF}">
-              <a14:hiddenLine xmlns="" xmlns:a14="http://schemas.microsoft.com/office/drawing/2010/main" w="9525">
+              <a14:hiddenLine xmlns:a14="http://schemas.microsoft.com/office/drawing/2010/main" xmlns="" w="9525">
                 <a:solidFill>
                   <a:srgbClr val="000000"/>
                 </a:solidFill>
@@ -2752,7 +3517,7 @@
             <a:fld id="{9B3A1323-8D79-1946-B0D7-40001CF92E9D}" type="datetimeFigureOut">
               <a:rPr lang="en-US" dirty="0"/>
               <a:pPr/>
-              <a:t>6/23/19</a:t>
+              <a:t>6/27/19</a:t>
             </a:fld>
             <a:endParaRPr lang="en-US" dirty="0"/>
           </a:p>
@@ -3092,7 +3857,7 @@
             <a:fld id="{8DFA1846-DA80-1C48-A609-854EA85C59AD}" type="datetimeFigureOut">
               <a:rPr lang="en-US" dirty="0"/>
               <a:pPr/>
-              <a:t>6/23/19</a:t>
+              <a:t>6/27/19</a:t>
             </a:fld>
             <a:endParaRPr lang="en-US" dirty="0"/>
           </a:p>
@@ -3243,7 +4008,7 @@
           <a:ln/>
           <a:extLst>
             <a:ext uri="{91240B29-F687-4f45-9708-019B960494DF}">
-              <a14:hiddenLine xmlns="" xmlns:a14="http://schemas.microsoft.com/office/drawing/2010/main" w="9525">
+              <a14:hiddenLine xmlns:a14="http://schemas.microsoft.com/office/drawing/2010/main" xmlns="" w="9525">
                 <a:solidFill>
                   <a:srgbClr val="000000"/>
                 </a:solidFill>
@@ -3428,7 +4193,7 @@
             <a:fld id="{57302355-E14B-8545-A8F8-0FE83CC9D524}" type="datetimeFigureOut">
               <a:rPr lang="en-US" dirty="0"/>
               <a:pPr/>
-              <a:t>6/23/19</a:t>
+              <a:t>6/27/19</a:t>
             </a:fld>
             <a:endParaRPr lang="en-US" dirty="0"/>
           </a:p>
@@ -3579,7 +4344,7 @@
           <a:ln/>
           <a:extLst>
             <a:ext uri="{91240B29-F687-4f45-9708-019B960494DF}">
-              <a14:hiddenLine xmlns="" xmlns:a14="http://schemas.microsoft.com/office/drawing/2010/main" w="9525">
+              <a14:hiddenLine xmlns:a14="http://schemas.microsoft.com/office/drawing/2010/main" xmlns="" w="9525">
                 <a:solidFill>
                   <a:srgbClr val="000000"/>
                 </a:solidFill>
@@ -3902,7 +4667,7 @@
             <a:fld id="{02640F58-564D-2B4F-AE67-E407BA4FCF45}" type="datetimeFigureOut">
               <a:rPr lang="en-US" dirty="0"/>
               <a:pPr/>
-              <a:t>6/23/19</a:t>
+              <a:t>6/27/19</a:t>
             </a:fld>
             <a:endParaRPr lang="en-US" dirty="0"/>
           </a:p>
@@ -4053,7 +4818,7 @@
           <a:ln/>
           <a:extLst>
             <a:ext uri="{91240B29-F687-4f45-9708-019B960494DF}">
-              <a14:hiddenLine xmlns="" xmlns:a14="http://schemas.microsoft.com/office/drawing/2010/main" w="9525">
+              <a14:hiddenLine xmlns:a14="http://schemas.microsoft.com/office/drawing/2010/main" xmlns="" w="9525">
                 <a:solidFill>
                   <a:srgbClr val="000000"/>
                 </a:solidFill>
@@ -4120,7 +4885,7 @@
             <a:fld id="{F13A34C8-038E-2045-AF43-DF7DBB8E0E9E}" type="datetimeFigureOut">
               <a:rPr lang="en-US" dirty="0"/>
               <a:pPr/>
-              <a:t>6/23/19</a:t>
+              <a:t>6/27/19</a:t>
             </a:fld>
             <a:endParaRPr lang="en-US" dirty="0"/>
           </a:p>
@@ -4212,7 +4977,7 @@
             <a:fld id="{8818C68F-D26B-8F47-958C-23B49CF8A634}" type="datetimeFigureOut">
               <a:rPr lang="en-US" dirty="0"/>
               <a:pPr/>
-              <a:t>6/23/19</a:t>
+              <a:t>6/27/19</a:t>
             </a:fld>
             <a:endParaRPr lang="en-US" dirty="0"/>
           </a:p>
@@ -4476,7 +5241,7 @@
           <a:ln/>
           <a:extLst>
             <a:ext uri="{91240B29-F687-4f45-9708-019B960494DF}">
-              <a14:hiddenLine xmlns="" xmlns:a14="http://schemas.microsoft.com/office/drawing/2010/main" w="9525">
+              <a14:hiddenLine xmlns:a14="http://schemas.microsoft.com/office/drawing/2010/main" xmlns="" w="9525">
                 <a:solidFill>
                   <a:srgbClr val="000000"/>
                 </a:solidFill>
@@ -4676,7 +5441,7 @@
             <a:fld id="{D0DF5E60-9974-AC48-9591-99C2BB44B7CF}" type="datetimeFigureOut">
               <a:rPr lang="en-US" dirty="0"/>
               <a:pPr/>
-              <a:t>6/23/19</a:t>
+              <a:t>6/27/19</a:t>
             </a:fld>
             <a:endParaRPr lang="en-US" dirty="0"/>
           </a:p>
@@ -4986,7 +5751,7 @@
             <a:fld id="{18C79C5D-2A6F-F04D-97DA-BEF2467B64E4}" type="datetimeFigureOut">
               <a:rPr lang="en-US" dirty="0"/>
               <a:pPr/>
-              <a:t>6/23/19</a:t>
+              <a:t>6/27/19</a:t>
             </a:fld>
             <a:endParaRPr lang="en-US" dirty="0"/>
           </a:p>
@@ -5253,7 +6018,7 @@
             <a:fld id="{09B482E8-6E0E-1B4F-B1FD-C69DB9E858D9}" type="datetimeFigureOut">
               <a:rPr lang="en-US" dirty="0"/>
               <a:pPr/>
-              <a:t>6/23/19</a:t>
+              <a:t>6/27/19</a:t>
             </a:fld>
             <a:endParaRPr lang="en-US" dirty="0"/>
           </a:p>
@@ -5820,7 +6585,7 @@
           <a:p>
             <a:r>
               <a:rPr kumimoji="1" lang="en-US" altLang="zh-CN" dirty="0" smtClean="0"/>
-              <a:t>Agenda</a:t>
+              <a:t>CRD</a:t>
             </a:r>
             <a:endParaRPr kumimoji="1" lang="zh-CN" altLang="en-US" dirty="0"/>
           </a:p>
@@ -5842,26 +6607,421 @@
           <a:lstStyle/>
           <a:p>
             <a:r>
-              <a:rPr kumimoji="1" lang="en-US" altLang="zh-CN" dirty="0" smtClean="0"/>
-              <a:t>Service</a:t>
-            </a:r>
-          </a:p>
-          <a:p>
-            <a:endParaRPr kumimoji="1" lang="en-US" altLang="zh-CN" dirty="0" smtClean="0"/>
-          </a:p>
-          <a:p>
-            <a:r>
-              <a:rPr kumimoji="1" lang="en-US" altLang="zh-CN" dirty="0" smtClean="0"/>
-              <a:t>Ingress</a:t>
-            </a:r>
-            <a:endParaRPr kumimoji="1" lang="zh-CN" altLang="en-US" dirty="0"/>
+              <a:rPr lang="en-US" altLang="zh-CN" dirty="0" err="1"/>
+              <a:t>git</a:t>
+            </a:r>
+            <a:r>
+              <a:rPr lang="en-US" altLang="zh-CN" dirty="0"/>
+              <a:t> clone https://</a:t>
+            </a:r>
+            <a:r>
+              <a:rPr lang="en-US" altLang="zh-CN" dirty="0" err="1"/>
+              <a:t>github.com</a:t>
+            </a:r>
+            <a:r>
+              <a:rPr lang="en-US" altLang="zh-CN" dirty="0"/>
+              <a:t>/</a:t>
+            </a:r>
+            <a:r>
+              <a:rPr lang="en-US" altLang="zh-CN" dirty="0" err="1"/>
+              <a:t>resouer</a:t>
+            </a:r>
+            <a:r>
+              <a:rPr lang="en-US" altLang="zh-CN" dirty="0"/>
+              <a:t>/k8s-controller-custom-resource </a:t>
+            </a:r>
+            <a:endParaRPr lang="en-US" altLang="zh-CN" dirty="0" smtClean="0"/>
+          </a:p>
+          <a:p>
+            <a:r>
+              <a:rPr lang="en-US" altLang="zh-CN" dirty="0" smtClean="0"/>
+              <a:t>cd </a:t>
+            </a:r>
+            <a:r>
+              <a:rPr lang="en-US" altLang="zh-CN" dirty="0"/>
+              <a:t>k8s-controller-custom-resource/</a:t>
+            </a:r>
+          </a:p>
+          <a:p>
+            <a:r>
+              <a:rPr lang="en-US" altLang="zh-CN" dirty="0" err="1"/>
+              <a:t>kubectl</a:t>
+            </a:r>
+            <a:r>
+              <a:rPr lang="en-US" altLang="zh-CN" dirty="0"/>
+              <a:t> apply -f </a:t>
+            </a:r>
+            <a:r>
+              <a:rPr lang="en-US" altLang="zh-CN" dirty="0" err="1"/>
+              <a:t>crd</a:t>
+            </a:r>
+            <a:r>
+              <a:rPr lang="en-US" altLang="zh-CN" dirty="0"/>
+              <a:t>/</a:t>
+            </a:r>
+            <a:r>
+              <a:rPr lang="en-US" altLang="zh-CN" dirty="0" err="1"/>
+              <a:t>network.yaml</a:t>
+            </a:r>
+            <a:endParaRPr lang="en-US" altLang="zh-CN" dirty="0"/>
+          </a:p>
+          <a:p>
+            <a:r>
+              <a:rPr lang="en-US" altLang="zh-CN" dirty="0" err="1"/>
+              <a:t>kubectl</a:t>
+            </a:r>
+            <a:r>
+              <a:rPr lang="en-US" altLang="zh-CN" dirty="0"/>
+              <a:t> get </a:t>
+            </a:r>
+            <a:r>
+              <a:rPr lang="en-US" altLang="zh-CN" dirty="0" err="1"/>
+              <a:t>crd</a:t>
+            </a:r>
+            <a:endParaRPr lang="en-US" altLang="zh-CN" dirty="0"/>
+          </a:p>
+          <a:p>
+            <a:r>
+              <a:rPr lang="en-US" altLang="zh-CN" dirty="0" err="1"/>
+              <a:t>kubectl</a:t>
+            </a:r>
+            <a:r>
+              <a:rPr lang="en-US" altLang="zh-CN" dirty="0"/>
+              <a:t> apply -f example/example-</a:t>
+            </a:r>
+            <a:r>
+              <a:rPr lang="en-US" altLang="zh-CN" dirty="0" err="1"/>
+              <a:t>network.yaml</a:t>
+            </a:r>
+            <a:endParaRPr lang="en-US" altLang="zh-CN" dirty="0"/>
+          </a:p>
+          <a:p>
+            <a:r>
+              <a:rPr lang="en-US" altLang="zh-CN" dirty="0" err="1"/>
+              <a:t>kubectl</a:t>
+            </a:r>
+            <a:r>
+              <a:rPr lang="en-US" altLang="zh-CN" dirty="0"/>
+              <a:t> get network</a:t>
+            </a:r>
+          </a:p>
+          <a:p>
+            <a:r>
+              <a:rPr lang="en-US" altLang="zh-CN" dirty="0" err="1"/>
+              <a:t>kubectl</a:t>
+            </a:r>
+            <a:r>
+              <a:rPr lang="en-US" altLang="zh-CN" dirty="0"/>
+              <a:t> describe network example-network</a:t>
+            </a:r>
+            <a:endParaRPr lang="en-US" altLang="zh-CN" dirty="0">
+              <a:effectLst/>
+            </a:endParaRPr>
           </a:p>
         </p:txBody>
       </p:sp>
     </p:spTree>
     <p:extLst>
       <p:ext uri="{BB962C8B-B14F-4D97-AF65-F5344CB8AC3E}">
-        <p14:creationId xmlns:p14="http://schemas.microsoft.com/office/powerpoint/2010/main" val="656728758"/>
+        <p14:creationId xmlns:p14="http://schemas.microsoft.com/office/powerpoint/2010/main" val="130163446"/>
+      </p:ext>
+    </p:extLst>
+  </p:cSld>
+  <p:clrMapOvr>
+    <a:masterClrMapping/>
+  </p:clrMapOvr>
+</p:sld>
+</file>
+
+<file path=ppt/slides/slide3.xml><?xml version="1.0" encoding="utf-8"?>
+<p:sld xmlns:a="http://schemas.openxmlformats.org/drawingml/2006/main" xmlns:r="http://schemas.openxmlformats.org/officeDocument/2006/relationships" xmlns:p="http://schemas.openxmlformats.org/presentationml/2006/main">
+  <p:cSld>
+    <p:spTree>
+      <p:nvGrpSpPr>
+        <p:cNvPr id="1" name=""/>
+        <p:cNvGrpSpPr/>
+        <p:nvPr/>
+      </p:nvGrpSpPr>
+      <p:grpSpPr>
+        <a:xfrm>
+          <a:off x="0" y="0"/>
+          <a:ext cx="0" cy="0"/>
+          <a:chOff x="0" y="0"/>
+          <a:chExt cx="0" cy="0"/>
+        </a:xfrm>
+      </p:grpSpPr>
+      <p:sp>
+        <p:nvSpPr>
+          <p:cNvPr id="2" name="标题 1"/>
+          <p:cNvSpPr>
+            <a:spLocks noGrp="1"/>
+          </p:cNvSpPr>
+          <p:nvPr>
+            <p:ph type="title"/>
+          </p:nvPr>
+        </p:nvSpPr>
+        <p:spPr/>
+        <p:txBody>
+          <a:bodyPr/>
+          <a:lstStyle/>
+          <a:p>
+            <a:r>
+              <a:rPr kumimoji="1" lang="en-US" altLang="zh-CN" dirty="0" smtClean="0"/>
+              <a:t>CRD</a:t>
+            </a:r>
+            <a:endParaRPr kumimoji="1" lang="zh-CN" altLang="en-US" dirty="0"/>
+          </a:p>
+        </p:txBody>
+      </p:sp>
+      <p:sp>
+        <p:nvSpPr>
+          <p:cNvPr id="3" name="内容占位符 2"/>
+          <p:cNvSpPr>
+            <a:spLocks noGrp="1"/>
+          </p:cNvSpPr>
+          <p:nvPr>
+            <p:ph idx="1"/>
+          </p:nvPr>
+        </p:nvSpPr>
+        <p:spPr/>
+        <p:txBody>
+          <a:bodyPr/>
+          <a:lstStyle/>
+          <a:p>
+            <a:endParaRPr kumimoji="1" lang="zh-CN" altLang="en-US"/>
+          </a:p>
+        </p:txBody>
+      </p:sp>
+      <p:pic>
+        <p:nvPicPr>
+          <p:cNvPr id="5" name="图片 4"/>
+          <p:cNvPicPr>
+            <a:picLocks noChangeAspect="1"/>
+          </p:cNvPicPr>
+          <p:nvPr/>
+        </p:nvPicPr>
+        <p:blipFill>
+          <a:blip r:embed="rId3"/>
+          <a:stretch>
+            <a:fillRect/>
+          </a:stretch>
+        </p:blipFill>
+        <p:spPr>
+          <a:xfrm>
+            <a:off x="1170885" y="2387886"/>
+            <a:ext cx="9197370" cy="4105680"/>
+          </a:xfrm>
+          <a:prstGeom prst="rect">
+            <a:avLst/>
+          </a:prstGeom>
+        </p:spPr>
+      </p:pic>
+    </p:spTree>
+    <p:extLst>
+      <p:ext uri="{BB962C8B-B14F-4D97-AF65-F5344CB8AC3E}">
+        <p14:creationId xmlns:p14="http://schemas.microsoft.com/office/powerpoint/2010/main" val="2054214568"/>
+      </p:ext>
+    </p:extLst>
+  </p:cSld>
+  <p:clrMapOvr>
+    <a:masterClrMapping/>
+  </p:clrMapOvr>
+</p:sld>
+</file>
+
+<file path=ppt/slides/slide4.xml><?xml version="1.0" encoding="utf-8"?>
+<p:sld xmlns:a="http://schemas.openxmlformats.org/drawingml/2006/main" xmlns:r="http://schemas.openxmlformats.org/officeDocument/2006/relationships" xmlns:p="http://schemas.openxmlformats.org/presentationml/2006/main">
+  <p:cSld>
+    <p:spTree>
+      <p:nvGrpSpPr>
+        <p:cNvPr id="1" name=""/>
+        <p:cNvGrpSpPr/>
+        <p:nvPr/>
+      </p:nvGrpSpPr>
+      <p:grpSpPr>
+        <a:xfrm>
+          <a:off x="0" y="0"/>
+          <a:ext cx="0" cy="0"/>
+          <a:chOff x="0" y="0"/>
+          <a:chExt cx="0" cy="0"/>
+        </a:xfrm>
+      </p:grpSpPr>
+      <p:sp>
+        <p:nvSpPr>
+          <p:cNvPr id="2" name="标题 1"/>
+          <p:cNvSpPr>
+            <a:spLocks noGrp="1"/>
+          </p:cNvSpPr>
+          <p:nvPr>
+            <p:ph type="title"/>
+          </p:nvPr>
+        </p:nvSpPr>
+        <p:spPr/>
+        <p:txBody>
+          <a:bodyPr/>
+          <a:lstStyle/>
+          <a:p>
+            <a:r>
+              <a:rPr kumimoji="1" lang="en-US" altLang="zh-CN" dirty="0" smtClean="0"/>
+              <a:t>CRD</a:t>
+            </a:r>
+            <a:endParaRPr kumimoji="1" lang="zh-CN" altLang="en-US" dirty="0"/>
+          </a:p>
+        </p:txBody>
+      </p:sp>
+      <p:sp>
+        <p:nvSpPr>
+          <p:cNvPr id="3" name="内容占位符 2"/>
+          <p:cNvSpPr>
+            <a:spLocks noGrp="1"/>
+          </p:cNvSpPr>
+          <p:nvPr>
+            <p:ph idx="1"/>
+          </p:nvPr>
+        </p:nvSpPr>
+        <p:spPr/>
+        <p:txBody>
+          <a:bodyPr/>
+          <a:lstStyle/>
+          <a:p>
+            <a:r>
+              <a:rPr lang="en-US" altLang="zh-CN" dirty="0" smtClean="0"/>
+              <a:t>./</a:t>
+            </a:r>
+            <a:r>
+              <a:rPr lang="en-US" altLang="zh-CN" dirty="0" err="1"/>
+              <a:t>samplecrd</a:t>
+            </a:r>
+            <a:r>
+              <a:rPr lang="en-US" altLang="zh-CN" dirty="0"/>
+              <a:t>-controller -</a:t>
+            </a:r>
+            <a:r>
+              <a:rPr lang="en-US" altLang="zh-CN" dirty="0" err="1"/>
+              <a:t>kubeconfig</a:t>
+            </a:r>
+            <a:r>
+              <a:rPr lang="en-US" altLang="zh-CN" dirty="0"/>
+              <a:t>=$HOME/.</a:t>
+            </a:r>
+            <a:r>
+              <a:rPr lang="en-US" altLang="zh-CN" dirty="0" err="1"/>
+              <a:t>kube</a:t>
+            </a:r>
+            <a:r>
+              <a:rPr lang="en-US" altLang="zh-CN" dirty="0"/>
+              <a:t>/</a:t>
+            </a:r>
+            <a:r>
+              <a:rPr lang="en-US" altLang="zh-CN" dirty="0" err="1"/>
+              <a:t>config</a:t>
+            </a:r>
+            <a:r>
+              <a:rPr lang="en-US" altLang="zh-CN" dirty="0"/>
+              <a:t> -</a:t>
+            </a:r>
+            <a:r>
+              <a:rPr lang="en-US" altLang="zh-CN" dirty="0" err="1" smtClean="0"/>
+              <a:t>alsologtostderr</a:t>
+            </a:r>
+            <a:r>
+              <a:rPr lang="en-US" altLang="zh-CN" dirty="0" smtClean="0"/>
+              <a:t>=true</a:t>
+            </a:r>
+          </a:p>
+          <a:p>
+            <a:r>
+              <a:rPr lang="en-US" altLang="zh-CN" dirty="0" smtClean="0"/>
+              <a:t>vi</a:t>
+            </a:r>
+            <a:r>
+              <a:rPr lang="zh-CN" altLang="en-US" dirty="0" smtClean="0"/>
+              <a:t> </a:t>
+            </a:r>
+            <a:r>
+              <a:rPr lang="en-US" altLang="zh-CN" dirty="0"/>
+              <a:t>/root/k8s-controller-custom-resource/example/example-</a:t>
+            </a:r>
+            <a:r>
+              <a:rPr lang="en-US" altLang="zh-CN" dirty="0" err="1"/>
+              <a:t>network.yaml</a:t>
+            </a:r>
+            <a:r>
+              <a:rPr lang="en-US" altLang="zh-CN" dirty="0"/>
+              <a:t> </a:t>
+            </a:r>
+            <a:endParaRPr lang="en-US" altLang="zh-CN" dirty="0" smtClean="0"/>
+          </a:p>
+          <a:p>
+            <a:pPr lvl="1"/>
+            <a:r>
+              <a:rPr lang="mr-IN" altLang="zh-CN" dirty="0" err="1"/>
+              <a:t>cidr</a:t>
+            </a:r>
+            <a:r>
+              <a:rPr lang="mr-IN" altLang="zh-CN" dirty="0"/>
+              <a:t>: "192.168.1.0/16"</a:t>
+            </a:r>
+          </a:p>
+          <a:p>
+            <a:pPr lvl="1"/>
+            <a:r>
+              <a:rPr lang="mr-IN" altLang="zh-CN" dirty="0" err="1"/>
+              <a:t>gateway</a:t>
+            </a:r>
+            <a:r>
+              <a:rPr lang="mr-IN" altLang="zh-CN" dirty="0"/>
+              <a:t>: "192.168.1.1</a:t>
+            </a:r>
+            <a:r>
+              <a:rPr lang="mr-IN" altLang="zh-CN" dirty="0" smtClean="0"/>
+              <a:t>"</a:t>
+            </a:r>
+            <a:endParaRPr lang="en-US" altLang="zh-CN" dirty="0" smtClean="0"/>
+          </a:p>
+          <a:p>
+            <a:r>
+              <a:rPr lang="en-US" altLang="zh-CN" dirty="0" err="1"/>
+              <a:t>kubectl</a:t>
+            </a:r>
+            <a:r>
+              <a:rPr lang="en-US" altLang="zh-CN" dirty="0"/>
+              <a:t> apply -f example/example-</a:t>
+            </a:r>
+            <a:r>
+              <a:rPr lang="en-US" altLang="zh-CN" dirty="0" err="1"/>
+              <a:t>network.yaml</a:t>
+            </a:r>
+            <a:endParaRPr lang="en-US" altLang="zh-CN" dirty="0"/>
+          </a:p>
+          <a:p>
+            <a:r>
+              <a:rPr lang="en-US" altLang="zh-CN" dirty="0" err="1"/>
+              <a:t>kubectl</a:t>
+            </a:r>
+            <a:r>
+              <a:rPr lang="en-US" altLang="zh-CN" dirty="0"/>
+              <a:t> delete -f </a:t>
+            </a:r>
+            <a:r>
+              <a:rPr lang="en-US" altLang="zh-CN" dirty="0" smtClean="0"/>
+              <a:t>example/example-</a:t>
+            </a:r>
+            <a:r>
+              <a:rPr lang="en-US" altLang="zh-CN" dirty="0" err="1" smtClean="0"/>
+              <a:t>network.yaml</a:t>
+            </a:r>
+            <a:endParaRPr lang="en-US" altLang="zh-CN" dirty="0"/>
+          </a:p>
+          <a:p>
+            <a:endParaRPr kumimoji="1" lang="zh-CN" altLang="en-US" dirty="0"/>
+          </a:p>
+        </p:txBody>
+      </p:sp>
+    </p:spTree>
+    <p:extLst>
+      <p:ext uri="{BB962C8B-B14F-4D97-AF65-F5344CB8AC3E}">
+        <p14:creationId xmlns:p14="http://schemas.microsoft.com/office/powerpoint/2010/main" val="562889350"/>
       </p:ext>
     </p:extLst>
   </p:cSld>

--- a/kubernetes/k8s008.pptx
+++ b/kubernetes/k8s008.pptx
@@ -5,13 +5,19 @@
     <p:sldMasterId id="2147483648" r:id="rId1"/>
   </p:sldMasterIdLst>
   <p:notesMasterIdLst>
-    <p:notesMasterId r:id="rId6"/>
+    <p:notesMasterId r:id="rId12"/>
   </p:notesMasterIdLst>
   <p:sldIdLst>
     <p:sldId id="256" r:id="rId2"/>
     <p:sldId id="286" r:id="rId3"/>
     <p:sldId id="287" r:id="rId4"/>
-    <p:sldId id="288" r:id="rId5"/>
+    <p:sldId id="293" r:id="rId5"/>
+    <p:sldId id="294" r:id="rId6"/>
+    <p:sldId id="288" r:id="rId7"/>
+    <p:sldId id="289" r:id="rId8"/>
+    <p:sldId id="290" r:id="rId9"/>
+    <p:sldId id="291" r:id="rId10"/>
+    <p:sldId id="292" r:id="rId11"/>
   </p:sldIdLst>
   <p:sldSz cx="12192000" cy="6858000"/>
   <p:notesSz cx="6858000" cy="9144000"/>
@@ -200,7 +206,7 @@
           <a:p>
             <a:fld id="{63F136E3-80C6-A842-B275-74FC7A4265FC}" type="datetimeFigureOut">
               <a:rPr kumimoji="1" lang="zh-CN" altLang="en-US" smtClean="0"/>
-              <a:t>2019/6/27</a:t>
+              <a:t>2019/7/8</a:t>
             </a:fld>
             <a:endParaRPr kumimoji="1" lang="zh-CN" altLang="en-US"/>
           </a:p>
@@ -596,6 +602,295 @@
           <a:bodyPr/>
           <a:lstStyle/>
           <a:p>
+            <a:pPr marL="0" marR="0" indent="0" algn="l" defTabSz="914400" rtl="0" eaLnBrk="1" fontAlgn="auto" latinLnBrk="0" hangingPunct="1">
+              <a:lnSpc>
+                <a:spcPct val="100000"/>
+              </a:lnSpc>
+              <a:spcBef>
+                <a:spcPts val="0"/>
+              </a:spcBef>
+              <a:spcAft>
+                <a:spcPts val="0"/>
+              </a:spcAft>
+              <a:buClrTx/>
+              <a:buSzTx/>
+              <a:buFontTx/>
+              <a:buNone/>
+              <a:tabLst/>
+              <a:defRPr/>
+            </a:pPr>
+            <a:r>
+              <a:rPr lang="en-US" altLang="zh-CN" dirty="0" smtClean="0">
+                <a:effectLst/>
+              </a:rPr>
+              <a:t>./generate-</a:t>
+            </a:r>
+            <a:r>
+              <a:rPr lang="en-US" altLang="zh-CN" dirty="0" err="1" smtClean="0">
+                <a:effectLst/>
+              </a:rPr>
+              <a:t>groups.sh</a:t>
+            </a:r>
+            <a:r>
+              <a:rPr lang="en-US" altLang="zh-CN" dirty="0" smtClean="0">
+                <a:effectLst/>
+              </a:rPr>
+              <a:t> all "</a:t>
+            </a:r>
+            <a:r>
+              <a:rPr lang="en-US" altLang="zh-CN" dirty="0" err="1" smtClean="0">
+                <a:effectLst/>
+              </a:rPr>
+              <a:t>github.com</a:t>
+            </a:r>
+            <a:r>
+              <a:rPr lang="en-US" altLang="zh-CN" dirty="0" smtClean="0">
+                <a:effectLst/>
+              </a:rPr>
+              <a:t>/</a:t>
+            </a:r>
+            <a:r>
+              <a:rPr lang="en-US" altLang="zh-CN" dirty="0" err="1" smtClean="0">
+                <a:effectLst/>
+              </a:rPr>
+              <a:t>tallongsun</a:t>
+            </a:r>
+            <a:r>
+              <a:rPr lang="en-US" altLang="zh-CN" dirty="0" smtClean="0">
+                <a:effectLst/>
+              </a:rPr>
+              <a:t>/k8s-controller-custom-resource/</a:t>
+            </a:r>
+            <a:r>
+              <a:rPr lang="en-US" altLang="zh-CN" dirty="0" err="1" smtClean="0">
+                <a:effectLst/>
+              </a:rPr>
+              <a:t>pkg</a:t>
+            </a:r>
+            <a:r>
+              <a:rPr lang="en-US" altLang="zh-CN" dirty="0" smtClean="0">
+                <a:effectLst/>
+              </a:rPr>
+              <a:t>/client" "</a:t>
+            </a:r>
+            <a:r>
+              <a:rPr lang="en-US" altLang="zh-CN" dirty="0" err="1" smtClean="0">
+                <a:effectLst/>
+              </a:rPr>
+              <a:t>github.com</a:t>
+            </a:r>
+            <a:r>
+              <a:rPr lang="en-US" altLang="zh-CN" dirty="0" smtClean="0">
+                <a:effectLst/>
+              </a:rPr>
+              <a:t>/</a:t>
+            </a:r>
+            <a:r>
+              <a:rPr lang="en-US" altLang="zh-CN" dirty="0" err="1" smtClean="0">
+                <a:effectLst/>
+              </a:rPr>
+              <a:t>tallongsun</a:t>
+            </a:r>
+            <a:r>
+              <a:rPr lang="en-US" altLang="zh-CN" dirty="0" smtClean="0">
+                <a:effectLst/>
+              </a:rPr>
+              <a:t>/k8s-controller-custom-resource/</a:t>
+            </a:r>
+            <a:r>
+              <a:rPr lang="en-US" altLang="zh-CN" dirty="0" err="1" smtClean="0">
+                <a:effectLst/>
+              </a:rPr>
+              <a:t>pkg</a:t>
+            </a:r>
+            <a:r>
+              <a:rPr lang="en-US" altLang="zh-CN" dirty="0" smtClean="0">
+                <a:effectLst/>
+              </a:rPr>
+              <a:t>/</a:t>
+            </a:r>
+            <a:r>
+              <a:rPr lang="en-US" altLang="zh-CN" dirty="0" err="1" smtClean="0">
+                <a:effectLst/>
+              </a:rPr>
+              <a:t>apis</a:t>
+            </a:r>
+            <a:r>
+              <a:rPr lang="en-US" altLang="zh-CN" dirty="0" smtClean="0">
+                <a:effectLst/>
+              </a:rPr>
+              <a:t>" "samplecrd:v1"</a:t>
+            </a:r>
+          </a:p>
+          <a:p>
+            <a:endParaRPr kumimoji="1" lang="zh-CN" altLang="en-US" dirty="0"/>
+          </a:p>
+        </p:txBody>
+      </p:sp>
+      <p:sp>
+        <p:nvSpPr>
+          <p:cNvPr id="4" name="幻灯片编号占位符 3"/>
+          <p:cNvSpPr>
+            <a:spLocks noGrp="1"/>
+          </p:cNvSpPr>
+          <p:nvPr>
+            <p:ph type="sldNum" sz="quarter" idx="10"/>
+          </p:nvPr>
+        </p:nvSpPr>
+        <p:spPr/>
+        <p:txBody>
+          <a:bodyPr/>
+          <a:lstStyle/>
+          <a:p>
+            <a:fld id="{2A48A843-6325-C940-A430-FD72B9AFF102}" type="slidenum">
+              <a:rPr kumimoji="1" lang="zh-CN" altLang="en-US" smtClean="0"/>
+              <a:t>4</a:t>
+            </a:fld>
+            <a:endParaRPr kumimoji="1" lang="zh-CN" altLang="en-US"/>
+          </a:p>
+        </p:txBody>
+      </p:sp>
+    </p:spTree>
+    <p:extLst>
+      <p:ext uri="{BB962C8B-B14F-4D97-AF65-F5344CB8AC3E}">
+        <p14:creationId xmlns:p14="http://schemas.microsoft.com/office/powerpoint/2010/main" val="507258457"/>
+      </p:ext>
+    </p:extLst>
+  </p:cSld>
+  <p:clrMapOvr>
+    <a:masterClrMapping/>
+  </p:clrMapOvr>
+</p:notes>
+</file>
+
+<file path=ppt/notesSlides/notesSlide3.xml><?xml version="1.0" encoding="utf-8"?>
+<p:notes xmlns:a="http://schemas.openxmlformats.org/drawingml/2006/main" xmlns:r="http://schemas.openxmlformats.org/officeDocument/2006/relationships" xmlns:p="http://schemas.openxmlformats.org/presentationml/2006/main">
+  <p:cSld>
+    <p:spTree>
+      <p:nvGrpSpPr>
+        <p:cNvPr id="1" name=""/>
+        <p:cNvGrpSpPr/>
+        <p:nvPr/>
+      </p:nvGrpSpPr>
+      <p:grpSpPr>
+        <a:xfrm>
+          <a:off x="0" y="0"/>
+          <a:ext cx="0" cy="0"/>
+          <a:chOff x="0" y="0"/>
+          <a:chExt cx="0" cy="0"/>
+        </a:xfrm>
+      </p:grpSpPr>
+      <p:sp>
+        <p:nvSpPr>
+          <p:cNvPr id="2" name="幻灯片图像占位符 1"/>
+          <p:cNvSpPr>
+            <a:spLocks noGrp="1" noRot="1" noChangeAspect="1"/>
+          </p:cNvSpPr>
+          <p:nvPr>
+            <p:ph type="sldImg"/>
+          </p:nvPr>
+        </p:nvSpPr>
+        <p:spPr/>
+      </p:sp>
+      <p:sp>
+        <p:nvSpPr>
+          <p:cNvPr id="3" name="备注占位符 2"/>
+          <p:cNvSpPr>
+            <a:spLocks noGrp="1"/>
+          </p:cNvSpPr>
+          <p:nvPr>
+            <p:ph type="body" idx="1"/>
+          </p:nvPr>
+        </p:nvSpPr>
+        <p:spPr/>
+        <p:txBody>
+          <a:bodyPr/>
+          <a:lstStyle/>
+          <a:p>
+            <a:endParaRPr kumimoji="1" lang="zh-CN" altLang="en-US" dirty="0"/>
+          </a:p>
+        </p:txBody>
+      </p:sp>
+      <p:sp>
+        <p:nvSpPr>
+          <p:cNvPr id="4" name="幻灯片编号占位符 3"/>
+          <p:cNvSpPr>
+            <a:spLocks noGrp="1"/>
+          </p:cNvSpPr>
+          <p:nvPr>
+            <p:ph type="sldNum" sz="quarter" idx="10"/>
+          </p:nvPr>
+        </p:nvSpPr>
+        <p:spPr/>
+        <p:txBody>
+          <a:bodyPr/>
+          <a:lstStyle/>
+          <a:p>
+            <a:fld id="{2A48A843-6325-C940-A430-FD72B9AFF102}" type="slidenum">
+              <a:rPr kumimoji="1" lang="zh-CN" altLang="en-US" smtClean="0"/>
+              <a:t>5</a:t>
+            </a:fld>
+            <a:endParaRPr kumimoji="1" lang="zh-CN" altLang="en-US"/>
+          </a:p>
+        </p:txBody>
+      </p:sp>
+    </p:spTree>
+    <p:extLst>
+      <p:ext uri="{BB962C8B-B14F-4D97-AF65-F5344CB8AC3E}">
+        <p14:creationId xmlns:p14="http://schemas.microsoft.com/office/powerpoint/2010/main" val="1696189168"/>
+      </p:ext>
+    </p:extLst>
+  </p:cSld>
+  <p:clrMapOvr>
+    <a:masterClrMapping/>
+  </p:clrMapOvr>
+</p:notes>
+</file>
+
+<file path=ppt/notesSlides/notesSlide4.xml><?xml version="1.0" encoding="utf-8"?>
+<p:notes xmlns:a="http://schemas.openxmlformats.org/drawingml/2006/main" xmlns:r="http://schemas.openxmlformats.org/officeDocument/2006/relationships" xmlns:p="http://schemas.openxmlformats.org/presentationml/2006/main">
+  <p:cSld>
+    <p:spTree>
+      <p:nvGrpSpPr>
+        <p:cNvPr id="1" name=""/>
+        <p:cNvGrpSpPr/>
+        <p:nvPr/>
+      </p:nvGrpSpPr>
+      <p:grpSpPr>
+        <a:xfrm>
+          <a:off x="0" y="0"/>
+          <a:ext cx="0" cy="0"/>
+          <a:chOff x="0" y="0"/>
+          <a:chExt cx="0" cy="0"/>
+        </a:xfrm>
+      </p:grpSpPr>
+      <p:sp>
+        <p:nvSpPr>
+          <p:cNvPr id="2" name="幻灯片图像占位符 1"/>
+          <p:cNvSpPr>
+            <a:spLocks noGrp="1" noRot="1" noChangeAspect="1"/>
+          </p:cNvSpPr>
+          <p:nvPr>
+            <p:ph type="sldImg"/>
+          </p:nvPr>
+        </p:nvSpPr>
+        <p:spPr/>
+      </p:sp>
+      <p:sp>
+        <p:nvSpPr>
+          <p:cNvPr id="3" name="备注占位符 2"/>
+          <p:cNvSpPr>
+            <a:spLocks noGrp="1"/>
+          </p:cNvSpPr>
+          <p:nvPr>
+            <p:ph type="body" idx="1"/>
+          </p:nvPr>
+        </p:nvSpPr>
+        <p:spPr/>
+        <p:txBody>
+          <a:bodyPr/>
+          <a:lstStyle/>
+          <a:p>
             <a:r>
               <a:rPr lang="zh-CN" altLang="en-US" sz="1200" b="0" kern="1200" dirty="0" smtClean="0">
                 <a:solidFill>
@@ -1212,7 +1507,7 @@
           <a:p>
             <a:fld id="{2A48A843-6325-C940-A430-FD72B9AFF102}" type="slidenum">
               <a:rPr kumimoji="1" lang="zh-CN" altLang="en-US" smtClean="0"/>
-              <a:t>4</a:t>
+              <a:t>6</a:t>
             </a:fld>
             <a:endParaRPr kumimoji="1" lang="zh-CN" altLang="en-US"/>
           </a:p>
@@ -1519,7 +1814,7 @@
             <a:fld id="{08B9EBBA-996F-894A-B54A-D6246ED52CEA}" type="datetimeFigureOut">
               <a:rPr lang="en-US" dirty="0"/>
               <a:pPr/>
-              <a:t>6/27/19</a:t>
+              <a:t>7/8/19</a:t>
             </a:fld>
             <a:endParaRPr lang="en-US" dirty="0"/>
           </a:p>
@@ -1834,7 +2129,7 @@
             <a:fld id="{18C79C5D-2A6F-F04D-97DA-BEF2467B64E4}" type="datetimeFigureOut">
               <a:rPr lang="en-US" dirty="0"/>
               <a:pPr/>
-              <a:t>6/27/19</a:t>
+              <a:t>7/8/19</a:t>
             </a:fld>
             <a:endParaRPr lang="en-US" dirty="0"/>
           </a:p>
@@ -2319,7 +2614,7 @@
             <a:fld id="{8DFA1846-DA80-1C48-A609-854EA85C59AD}" type="datetimeFigureOut">
               <a:rPr lang="en-US" dirty="0"/>
               <a:pPr/>
-              <a:t>6/27/19</a:t>
+              <a:t>7/8/19</a:t>
             </a:fld>
             <a:endParaRPr lang="en-US" dirty="0"/>
           </a:p>
@@ -2685,7 +2980,7 @@
             <a:fld id="{FBF54567-0DE4-3F47-BF90-CB84690072F9}" type="datetimeFigureOut">
               <a:rPr lang="en-US" dirty="0"/>
               <a:pPr/>
-              <a:t>6/27/19</a:t>
+              <a:t>7/8/19</a:t>
             </a:fld>
             <a:endParaRPr lang="en-US" dirty="0"/>
           </a:p>
@@ -2955,7 +3250,7 @@
             <a:fld id="{C6C52C72-DE31-F449-A4ED-4C594FD91407}" type="datetimeFigureOut">
               <a:rPr lang="en-US" dirty="0"/>
               <a:pPr/>
-              <a:t>6/27/19</a:t>
+              <a:t>7/8/19</a:t>
             </a:fld>
             <a:endParaRPr lang="en-US" dirty="0"/>
           </a:p>
@@ -3237,7 +3532,7 @@
             <a:fld id="{ED62726E-379B-B349-9EED-81ED093FA806}" type="datetimeFigureOut">
               <a:rPr lang="en-US" dirty="0"/>
               <a:pPr/>
-              <a:t>6/27/19</a:t>
+              <a:t>7/8/19</a:t>
             </a:fld>
             <a:endParaRPr lang="en-US" dirty="0"/>
           </a:p>
@@ -3517,7 +3812,7 @@
             <a:fld id="{9B3A1323-8D79-1946-B0D7-40001CF92E9D}" type="datetimeFigureOut">
               <a:rPr lang="en-US" dirty="0"/>
               <a:pPr/>
-              <a:t>6/27/19</a:t>
+              <a:t>7/8/19</a:t>
             </a:fld>
             <a:endParaRPr lang="en-US" dirty="0"/>
           </a:p>
@@ -3857,7 +4152,7 @@
             <a:fld id="{8DFA1846-DA80-1C48-A609-854EA85C59AD}" type="datetimeFigureOut">
               <a:rPr lang="en-US" dirty="0"/>
               <a:pPr/>
-              <a:t>6/27/19</a:t>
+              <a:t>7/8/19</a:t>
             </a:fld>
             <a:endParaRPr lang="en-US" dirty="0"/>
           </a:p>
@@ -4193,7 +4488,7 @@
             <a:fld id="{57302355-E14B-8545-A8F8-0FE83CC9D524}" type="datetimeFigureOut">
               <a:rPr lang="en-US" dirty="0"/>
               <a:pPr/>
-              <a:t>6/27/19</a:t>
+              <a:t>7/8/19</a:t>
             </a:fld>
             <a:endParaRPr lang="en-US" dirty="0"/>
           </a:p>
@@ -4667,7 +4962,7 @@
             <a:fld id="{02640F58-564D-2B4F-AE67-E407BA4FCF45}" type="datetimeFigureOut">
               <a:rPr lang="en-US" dirty="0"/>
               <a:pPr/>
-              <a:t>6/27/19</a:t>
+              <a:t>7/8/19</a:t>
             </a:fld>
             <a:endParaRPr lang="en-US" dirty="0"/>
           </a:p>
@@ -4885,7 +5180,7 @@
             <a:fld id="{F13A34C8-038E-2045-AF43-DF7DBB8E0E9E}" type="datetimeFigureOut">
               <a:rPr lang="en-US" dirty="0"/>
               <a:pPr/>
-              <a:t>6/27/19</a:t>
+              <a:t>7/8/19</a:t>
             </a:fld>
             <a:endParaRPr lang="en-US" dirty="0"/>
           </a:p>
@@ -4977,7 +5272,7 @@
             <a:fld id="{8818C68F-D26B-8F47-958C-23B49CF8A634}" type="datetimeFigureOut">
               <a:rPr lang="en-US" dirty="0"/>
               <a:pPr/>
-              <a:t>6/27/19</a:t>
+              <a:t>7/8/19</a:t>
             </a:fld>
             <a:endParaRPr lang="en-US" dirty="0"/>
           </a:p>
@@ -5441,7 +5736,7 @@
             <a:fld id="{D0DF5E60-9974-AC48-9591-99C2BB44B7CF}" type="datetimeFigureOut">
               <a:rPr lang="en-US" dirty="0"/>
               <a:pPr/>
-              <a:t>6/27/19</a:t>
+              <a:t>7/8/19</a:t>
             </a:fld>
             <a:endParaRPr lang="en-US" dirty="0"/>
           </a:p>
@@ -5751,7 +6046,7 @@
             <a:fld id="{18C79C5D-2A6F-F04D-97DA-BEF2467B64E4}" type="datetimeFigureOut">
               <a:rPr lang="en-US" dirty="0"/>
               <a:pPr/>
-              <a:t>6/27/19</a:t>
+              <a:t>7/8/19</a:t>
             </a:fld>
             <a:endParaRPr lang="en-US" dirty="0"/>
           </a:p>
@@ -6018,7 +6313,7 @@
             <a:fld id="{09B482E8-6E0E-1B4F-B1FD-C69DB9E858D9}" type="datetimeFigureOut">
               <a:rPr lang="en-US" dirty="0"/>
               <a:pPr/>
-              <a:t>6/27/19</a:t>
+              <a:t>7/8/19</a:t>
             </a:fld>
             <a:endParaRPr lang="en-US" dirty="0"/>
           </a:p>
@@ -6551,6 +6846,198 @@
 </p:sld>
 </file>
 
+<file path=ppt/slides/slide10.xml><?xml version="1.0" encoding="utf-8"?>
+<p:sld xmlns:a="http://schemas.openxmlformats.org/drawingml/2006/main" xmlns:r="http://schemas.openxmlformats.org/officeDocument/2006/relationships" xmlns:p="http://schemas.openxmlformats.org/presentationml/2006/main">
+  <p:cSld>
+    <p:spTree>
+      <p:nvGrpSpPr>
+        <p:cNvPr id="1" name=""/>
+        <p:cNvGrpSpPr/>
+        <p:nvPr/>
+      </p:nvGrpSpPr>
+      <p:grpSpPr>
+        <a:xfrm>
+          <a:off x="0" y="0"/>
+          <a:ext cx="0" cy="0"/>
+          <a:chOff x="0" y="0"/>
+          <a:chExt cx="0" cy="0"/>
+        </a:xfrm>
+      </p:grpSpPr>
+      <p:sp>
+        <p:nvSpPr>
+          <p:cNvPr id="2" name="标题 1"/>
+          <p:cNvSpPr>
+            <a:spLocks noGrp="1"/>
+          </p:cNvSpPr>
+          <p:nvPr>
+            <p:ph type="title"/>
+          </p:nvPr>
+        </p:nvSpPr>
+        <p:spPr/>
+        <p:txBody>
+          <a:bodyPr/>
+          <a:lstStyle/>
+          <a:p>
+            <a:r>
+              <a:rPr kumimoji="1" lang="en-US" altLang="zh-CN" dirty="0"/>
+              <a:t>Operator</a:t>
+            </a:r>
+            <a:endParaRPr kumimoji="1" lang="zh-CN" altLang="en-US" dirty="0"/>
+          </a:p>
+        </p:txBody>
+      </p:sp>
+      <p:sp>
+        <p:nvSpPr>
+          <p:cNvPr id="3" name="内容占位符 2"/>
+          <p:cNvSpPr>
+            <a:spLocks noGrp="1"/>
+          </p:cNvSpPr>
+          <p:nvPr>
+            <p:ph idx="1"/>
+          </p:nvPr>
+        </p:nvSpPr>
+        <p:spPr/>
+        <p:txBody>
+          <a:bodyPr/>
+          <a:lstStyle/>
+          <a:p>
+            <a:r>
+              <a:rPr lang="en-US" altLang="zh-CN" dirty="0" err="1"/>
+              <a:t>kubectl</a:t>
+            </a:r>
+            <a:r>
+              <a:rPr lang="en-US" altLang="zh-CN" dirty="0"/>
+              <a:t> delete -f deploy/</a:t>
+            </a:r>
+            <a:r>
+              <a:rPr lang="en-US" altLang="zh-CN" dirty="0" err="1"/>
+              <a:t>crds</a:t>
+            </a:r>
+            <a:r>
+              <a:rPr lang="en-US" altLang="zh-CN" dirty="0"/>
+              <a:t>/app_v1alpha1_appservice_cr.yaml</a:t>
+            </a:r>
+          </a:p>
+          <a:p>
+            <a:r>
+              <a:rPr lang="en-US" altLang="zh-CN" dirty="0" err="1"/>
+              <a:t>kubectl</a:t>
+            </a:r>
+            <a:r>
+              <a:rPr lang="en-US" altLang="zh-CN" dirty="0"/>
+              <a:t> delete -f deploy/</a:t>
+            </a:r>
+            <a:r>
+              <a:rPr lang="en-US" altLang="zh-CN" dirty="0" err="1"/>
+              <a:t>operator.yaml</a:t>
+            </a:r>
+            <a:r>
+              <a:rPr lang="en-US" altLang="zh-CN" dirty="0"/>
+              <a:t> </a:t>
+            </a:r>
+            <a:endParaRPr lang="en-US" altLang="zh-CN" dirty="0" smtClean="0"/>
+          </a:p>
+          <a:p>
+            <a:r>
+              <a:rPr lang="en-US" altLang="zh-CN" dirty="0" err="1" smtClean="0"/>
+              <a:t>kubectl</a:t>
+            </a:r>
+            <a:r>
+              <a:rPr lang="en-US" altLang="zh-CN" dirty="0" smtClean="0"/>
+              <a:t> </a:t>
+            </a:r>
+            <a:r>
+              <a:rPr lang="en-US" altLang="zh-CN" dirty="0"/>
+              <a:t>delete -f deploy/</a:t>
+            </a:r>
+            <a:r>
+              <a:rPr lang="en-US" altLang="zh-CN" dirty="0" err="1"/>
+              <a:t>role.yaml</a:t>
+            </a:r>
+            <a:r>
+              <a:rPr lang="en-US" altLang="zh-CN" dirty="0"/>
+              <a:t> </a:t>
+            </a:r>
+            <a:endParaRPr lang="en-US" altLang="zh-CN" dirty="0" smtClean="0"/>
+          </a:p>
+          <a:p>
+            <a:r>
+              <a:rPr lang="en-US" altLang="zh-CN" dirty="0" err="1" smtClean="0"/>
+              <a:t>kubectl</a:t>
+            </a:r>
+            <a:r>
+              <a:rPr lang="en-US" altLang="zh-CN" dirty="0" smtClean="0"/>
+              <a:t> </a:t>
+            </a:r>
+            <a:r>
+              <a:rPr lang="en-US" altLang="zh-CN" dirty="0"/>
+              <a:t>delete -f deploy/</a:t>
+            </a:r>
+            <a:r>
+              <a:rPr lang="en-US" altLang="zh-CN" dirty="0" err="1"/>
+              <a:t>role_binding.yaml</a:t>
+            </a:r>
+            <a:endParaRPr lang="en-US" altLang="zh-CN" dirty="0"/>
+          </a:p>
+          <a:p>
+            <a:r>
+              <a:rPr lang="en-US" altLang="zh-CN" dirty="0" err="1"/>
+              <a:t>kubectl</a:t>
+            </a:r>
+            <a:r>
+              <a:rPr lang="en-US" altLang="zh-CN" dirty="0"/>
+              <a:t> delete -f deploy/</a:t>
+            </a:r>
+            <a:r>
+              <a:rPr lang="en-US" altLang="zh-CN" dirty="0" err="1"/>
+              <a:t>service_account.yaml</a:t>
+            </a:r>
+            <a:r>
+              <a:rPr lang="en-US" altLang="zh-CN" dirty="0"/>
+              <a:t> </a:t>
+            </a:r>
+            <a:endParaRPr lang="en-US" altLang="zh-CN" dirty="0" smtClean="0"/>
+          </a:p>
+          <a:p>
+            <a:r>
+              <a:rPr lang="en-US" altLang="zh-CN" dirty="0" err="1" smtClean="0"/>
+              <a:t>kubectl</a:t>
+            </a:r>
+            <a:r>
+              <a:rPr lang="en-US" altLang="zh-CN" dirty="0" smtClean="0"/>
+              <a:t> </a:t>
+            </a:r>
+            <a:r>
+              <a:rPr lang="en-US" altLang="zh-CN" dirty="0"/>
+              <a:t>delete -f deploy/</a:t>
+            </a:r>
+            <a:r>
+              <a:rPr lang="en-US" altLang="zh-CN" dirty="0" err="1"/>
+              <a:t>crds</a:t>
+            </a:r>
+            <a:r>
+              <a:rPr lang="en-US" altLang="zh-CN" dirty="0"/>
+              <a:t>/app_v1alpha1_appservice_crd.yaml</a:t>
+            </a:r>
+          </a:p>
+          <a:p>
+            <a:endParaRPr kumimoji="1" lang="zh-CN" altLang="en-US" dirty="0"/>
+          </a:p>
+        </p:txBody>
+      </p:sp>
+    </p:spTree>
+    <p:extLst>
+      <p:ext uri="{BB962C8B-B14F-4D97-AF65-F5344CB8AC3E}">
+        <p14:creationId xmlns:p14="http://schemas.microsoft.com/office/powerpoint/2010/main" val="1937705597"/>
+      </p:ext>
+    </p:extLst>
+  </p:cSld>
+  <p:clrMapOvr>
+    <a:masterClrMapping/>
+  </p:clrMapOvr>
+</p:sld>
+</file>
+
 <file path=ppt/slides/slide2.xml><?xml version="1.0" encoding="utf-8"?>
 <p:sld xmlns:a="http://schemas.openxmlformats.org/drawingml/2006/main" xmlns:r="http://schemas.openxmlformats.org/officeDocument/2006/relationships" xmlns:p="http://schemas.openxmlformats.org/presentationml/2006/main">
   <p:cSld>
@@ -6585,7 +7072,11 @@
           <a:p>
             <a:r>
               <a:rPr kumimoji="1" lang="en-US" altLang="zh-CN" dirty="0" smtClean="0"/>
-              <a:t>CRD</a:t>
+              <a:t>CRD-</a:t>
+            </a:r>
+            <a:r>
+              <a:rPr kumimoji="1" lang="zh-CN" altLang="en-US" dirty="0" smtClean="0"/>
+              <a:t>示例</a:t>
             </a:r>
             <a:endParaRPr kumimoji="1" lang="zh-CN" altLang="en-US" dirty="0"/>
           </a:p>
@@ -6767,7 +7258,11 @@
           <a:p>
             <a:r>
               <a:rPr kumimoji="1" lang="en-US" altLang="zh-CN" dirty="0" smtClean="0"/>
-              <a:t>CRD</a:t>
+              <a:t>CRD-</a:t>
+            </a:r>
+            <a:r>
+              <a:rPr kumimoji="1" lang="zh-CN" altLang="en-US" dirty="0" smtClean="0"/>
+              <a:t>工作原理图</a:t>
             </a:r>
             <a:endParaRPr kumimoji="1" lang="zh-CN" altLang="en-US" dirty="0"/>
           </a:p>
@@ -6863,7 +7358,412 @@
           <a:p>
             <a:r>
               <a:rPr kumimoji="1" lang="en-US" altLang="zh-CN" dirty="0" smtClean="0"/>
+              <a:t>CRD-</a:t>
+            </a:r>
+            <a:r>
+              <a:rPr kumimoji="1" lang="zh-CN" altLang="en-US" dirty="0" smtClean="0"/>
+              <a:t>编程步骤</a:t>
+            </a:r>
+            <a:endParaRPr kumimoji="1" lang="zh-CN" altLang="en-US" dirty="0"/>
+          </a:p>
+        </p:txBody>
+      </p:sp>
+      <p:sp>
+        <p:nvSpPr>
+          <p:cNvPr id="3" name="内容占位符 2"/>
+          <p:cNvSpPr>
+            <a:spLocks noGrp="1"/>
+          </p:cNvSpPr>
+          <p:nvPr>
+            <p:ph idx="1"/>
+          </p:nvPr>
+        </p:nvSpPr>
+        <p:spPr/>
+        <p:txBody>
+          <a:bodyPr/>
+          <a:lstStyle/>
+          <a:p>
+            <a:r>
+              <a:rPr kumimoji="1" lang="zh-CN" altLang="en-US" dirty="0" smtClean="0"/>
+              <a:t>编写</a:t>
+            </a:r>
+            <a:r>
+              <a:rPr kumimoji="1" lang="en-US" altLang="zh-CN" dirty="0" smtClean="0"/>
               <a:t>CRD</a:t>
+            </a:r>
+            <a:r>
+              <a:rPr kumimoji="1" lang="zh-CN" altLang="en-US" dirty="0" smtClean="0"/>
+              <a:t>文件</a:t>
+            </a:r>
+            <a:r>
+              <a:rPr kumimoji="1" lang="en-US" altLang="zh-CN" dirty="0" err="1" smtClean="0"/>
+              <a:t>crd</a:t>
+            </a:r>
+            <a:r>
+              <a:rPr kumimoji="1" lang="en-US" altLang="zh-CN" dirty="0" smtClean="0"/>
+              <a:t>/</a:t>
+            </a:r>
+            <a:r>
+              <a:rPr kumimoji="1" lang="en-US" altLang="zh-CN" dirty="0" err="1" smtClean="0"/>
+              <a:t>network.yaml</a:t>
+            </a:r>
+            <a:endParaRPr kumimoji="1" lang="en-US" altLang="zh-CN" dirty="0" smtClean="0"/>
+          </a:p>
+          <a:p>
+            <a:r>
+              <a:rPr kumimoji="1" lang="zh-CN" altLang="en-US" dirty="0" smtClean="0"/>
+              <a:t>编写</a:t>
+            </a:r>
+            <a:r>
+              <a:rPr kumimoji="1" lang="en-US" altLang="zh-CN" dirty="0" smtClean="0"/>
+              <a:t>CR</a:t>
+            </a:r>
+            <a:r>
+              <a:rPr kumimoji="1" lang="zh-CN" altLang="en-US" dirty="0" smtClean="0"/>
+              <a:t>文件</a:t>
+            </a:r>
+            <a:r>
+              <a:rPr kumimoji="1" lang="en-US" altLang="zh-CN" dirty="0" smtClean="0"/>
+              <a:t>example/example-</a:t>
+            </a:r>
+            <a:r>
+              <a:rPr kumimoji="1" lang="en-US" altLang="zh-CN" dirty="0" err="1" smtClean="0"/>
+              <a:t>network.yaml</a:t>
+            </a:r>
+            <a:endParaRPr kumimoji="1" lang="en-US" altLang="zh-CN" dirty="0" smtClean="0"/>
+          </a:p>
+          <a:p>
+            <a:r>
+              <a:rPr kumimoji="1" lang="zh-CN" altLang="en-US" dirty="0" smtClean="0"/>
+              <a:t>在</a:t>
+            </a:r>
+            <a:r>
+              <a:rPr kumimoji="1" lang="en-US" altLang="zh-CN" dirty="0" smtClean="0"/>
+              <a:t>GOPATH</a:t>
+            </a:r>
+            <a:r>
+              <a:rPr kumimoji="1" lang="zh-CN" altLang="en-US" dirty="0" smtClean="0"/>
+              <a:t>下初始化项目代码结构</a:t>
+            </a:r>
+            <a:r>
+              <a:rPr kumimoji="1" lang="en-US" altLang="zh-CN" dirty="0" err="1" smtClean="0"/>
+              <a:t>pkg</a:t>
+            </a:r>
+            <a:r>
+              <a:rPr kumimoji="1" lang="en-US" altLang="zh-CN" dirty="0" smtClean="0"/>
+              <a:t>/</a:t>
+            </a:r>
+            <a:r>
+              <a:rPr kumimoji="1" lang="en-US" altLang="zh-CN" dirty="0" err="1" smtClean="0"/>
+              <a:t>apis</a:t>
+            </a:r>
+            <a:r>
+              <a:rPr kumimoji="1" lang="en-US" altLang="zh-CN" dirty="0" smtClean="0"/>
+              <a:t>/</a:t>
+            </a:r>
+            <a:r>
+              <a:rPr kumimoji="1" lang="en-US" altLang="zh-CN" dirty="0" err="1" smtClean="0"/>
+              <a:t>samplecrd</a:t>
+            </a:r>
+            <a:endParaRPr kumimoji="1" lang="en-US" altLang="zh-CN" dirty="0" smtClean="0"/>
+          </a:p>
+          <a:p>
+            <a:pPr lvl="1"/>
+            <a:r>
+              <a:rPr lang="en-US" altLang="zh-CN" dirty="0" err="1" smtClean="0"/>
+              <a:t>register.go</a:t>
+            </a:r>
+            <a:r>
+              <a:rPr lang="zh-CN" altLang="en-US" dirty="0" smtClean="0"/>
+              <a:t>，声明全局变量</a:t>
+            </a:r>
+            <a:endParaRPr lang="en-US" altLang="zh-CN" dirty="0" smtClean="0"/>
+          </a:p>
+          <a:p>
+            <a:pPr lvl="1"/>
+            <a:r>
+              <a:rPr kumimoji="1" lang="en-US" altLang="zh-CN" dirty="0" smtClean="0"/>
+              <a:t>v1/</a:t>
+            </a:r>
+            <a:r>
+              <a:rPr kumimoji="1" lang="en-US" altLang="zh-CN" dirty="0" err="1" smtClean="0"/>
+              <a:t>doc.go</a:t>
+            </a:r>
+            <a:r>
+              <a:rPr kumimoji="1" lang="zh-CN" altLang="en-US" dirty="0" smtClean="0"/>
+              <a:t>，基于注解自动生成对象的</a:t>
+            </a:r>
+            <a:r>
+              <a:rPr kumimoji="1" lang="en-US" altLang="zh-CN" dirty="0" err="1" smtClean="0"/>
+              <a:t>deepCopy</a:t>
+            </a:r>
+            <a:r>
+              <a:rPr kumimoji="1" lang="zh-CN" altLang="en-US" dirty="0" smtClean="0"/>
+              <a:t>代码</a:t>
+            </a:r>
+            <a:endParaRPr kumimoji="1" lang="en-US" altLang="zh-CN" dirty="0" smtClean="0"/>
+          </a:p>
+          <a:p>
+            <a:pPr lvl="1"/>
+            <a:r>
+              <a:rPr kumimoji="1" lang="en-US" altLang="zh-CN" dirty="0" smtClean="0"/>
+              <a:t>v1/</a:t>
+            </a:r>
+            <a:r>
+              <a:rPr kumimoji="1" lang="en-US" altLang="zh-CN" dirty="0" err="1" smtClean="0"/>
+              <a:t>types.go</a:t>
+            </a:r>
+            <a:r>
+              <a:rPr kumimoji="1" lang="zh-CN" altLang="en-US" dirty="0" smtClean="0"/>
+              <a:t>，定义自定义对象的字段，基于注解自动生成</a:t>
+            </a:r>
+            <a:r>
+              <a:rPr kumimoji="1" lang="en-US" altLang="zh-CN" dirty="0" smtClean="0"/>
+              <a:t>client</a:t>
+            </a:r>
+            <a:r>
+              <a:rPr kumimoji="1" lang="zh-CN" altLang="en-US" dirty="0" smtClean="0"/>
+              <a:t>代码</a:t>
+            </a:r>
+            <a:endParaRPr kumimoji="1" lang="en-US" altLang="zh-CN" dirty="0" smtClean="0"/>
+          </a:p>
+          <a:p>
+            <a:pPr lvl="1"/>
+            <a:r>
+              <a:rPr kumimoji="1" lang="en-US" altLang="zh-CN" dirty="0" smtClean="0"/>
+              <a:t>v1/</a:t>
+            </a:r>
+            <a:r>
+              <a:rPr kumimoji="1" lang="en-US" altLang="zh-CN" dirty="0" err="1" smtClean="0"/>
+              <a:t>register.go</a:t>
+            </a:r>
+            <a:r>
+              <a:rPr kumimoji="1" lang="zh-CN" altLang="en-US" dirty="0" smtClean="0"/>
+              <a:t>，向</a:t>
+            </a:r>
+            <a:r>
+              <a:rPr kumimoji="1" lang="en-US" altLang="zh-CN" dirty="0" smtClean="0"/>
+              <a:t>client</a:t>
+            </a:r>
+            <a:r>
+              <a:rPr kumimoji="1" lang="zh-CN" altLang="en-US" dirty="0" smtClean="0"/>
+              <a:t>注册自定义对象</a:t>
+            </a:r>
+            <a:endParaRPr kumimoji="1" lang="en-US" altLang="zh-CN" dirty="0" smtClean="0"/>
+          </a:p>
+          <a:p>
+            <a:r>
+              <a:rPr kumimoji="1" lang="zh-CN" altLang="en-US" dirty="0" smtClean="0"/>
+              <a:t>使用</a:t>
+            </a:r>
+            <a:r>
+              <a:rPr lang="en-US" altLang="zh-CN" dirty="0" smtClean="0"/>
+              <a:t>k8s.io/code-generator</a:t>
+            </a:r>
+            <a:r>
+              <a:rPr lang="zh-CN" altLang="en-US" dirty="0" smtClean="0"/>
+              <a:t>生成</a:t>
+            </a:r>
+            <a:r>
+              <a:rPr lang="en-US" altLang="zh-CN" dirty="0" err="1" smtClean="0"/>
+              <a:t>deepCopy</a:t>
+            </a:r>
+            <a:r>
+              <a:rPr lang="zh-CN" altLang="en-US" dirty="0" smtClean="0"/>
+              <a:t>和</a:t>
+            </a:r>
+            <a:r>
+              <a:rPr lang="en-US" altLang="zh-CN" dirty="0" smtClean="0"/>
+              <a:t>client</a:t>
+            </a:r>
+            <a:r>
+              <a:rPr lang="zh-CN" altLang="en-US" dirty="0" smtClean="0"/>
+              <a:t>代码</a:t>
+            </a:r>
+            <a:endParaRPr kumimoji="1" lang="zh-CN" altLang="en-US" dirty="0"/>
+          </a:p>
+        </p:txBody>
+      </p:sp>
+    </p:spTree>
+    <p:extLst>
+      <p:ext uri="{BB962C8B-B14F-4D97-AF65-F5344CB8AC3E}">
+        <p14:creationId xmlns:p14="http://schemas.microsoft.com/office/powerpoint/2010/main" val="967544116"/>
+      </p:ext>
+    </p:extLst>
+  </p:cSld>
+  <p:clrMapOvr>
+    <a:masterClrMapping/>
+  </p:clrMapOvr>
+</p:sld>
+</file>
+
+<file path=ppt/slides/slide5.xml><?xml version="1.0" encoding="utf-8"?>
+<p:sld xmlns:a="http://schemas.openxmlformats.org/drawingml/2006/main" xmlns:r="http://schemas.openxmlformats.org/officeDocument/2006/relationships" xmlns:p="http://schemas.openxmlformats.org/presentationml/2006/main">
+  <p:cSld>
+    <p:spTree>
+      <p:nvGrpSpPr>
+        <p:cNvPr id="1" name=""/>
+        <p:cNvGrpSpPr/>
+        <p:nvPr/>
+      </p:nvGrpSpPr>
+      <p:grpSpPr>
+        <a:xfrm>
+          <a:off x="0" y="0"/>
+          <a:ext cx="0" cy="0"/>
+          <a:chOff x="0" y="0"/>
+          <a:chExt cx="0" cy="0"/>
+        </a:xfrm>
+      </p:grpSpPr>
+      <p:sp>
+        <p:nvSpPr>
+          <p:cNvPr id="2" name="标题 1"/>
+          <p:cNvSpPr>
+            <a:spLocks noGrp="1"/>
+          </p:cNvSpPr>
+          <p:nvPr>
+            <p:ph type="title"/>
+          </p:nvPr>
+        </p:nvSpPr>
+        <p:spPr/>
+        <p:txBody>
+          <a:bodyPr/>
+          <a:lstStyle/>
+          <a:p>
+            <a:r>
+              <a:rPr kumimoji="1" lang="en-US" altLang="zh-CN" smtClean="0"/>
+              <a:t>CRD-</a:t>
+            </a:r>
+            <a:r>
+              <a:rPr kumimoji="1" lang="zh-CN" altLang="en-US" smtClean="0"/>
+              <a:t>编程步骤</a:t>
+            </a:r>
+            <a:endParaRPr kumimoji="1" lang="zh-CN" altLang="en-US" dirty="0"/>
+          </a:p>
+        </p:txBody>
+      </p:sp>
+      <p:sp>
+        <p:nvSpPr>
+          <p:cNvPr id="3" name="内容占位符 2"/>
+          <p:cNvSpPr>
+            <a:spLocks noGrp="1"/>
+          </p:cNvSpPr>
+          <p:nvPr>
+            <p:ph idx="1"/>
+          </p:nvPr>
+        </p:nvSpPr>
+        <p:spPr/>
+        <p:txBody>
+          <a:bodyPr/>
+          <a:lstStyle/>
+          <a:p>
+            <a:r>
+              <a:rPr kumimoji="1" lang="zh-CN" altLang="en-US" dirty="0" smtClean="0"/>
+              <a:t>编写</a:t>
+            </a:r>
+            <a:r>
+              <a:rPr kumimoji="1" lang="en-US" altLang="zh-CN" dirty="0" err="1" smtClean="0"/>
+              <a:t>main.go</a:t>
+            </a:r>
+            <a:r>
+              <a:rPr kumimoji="1" lang="zh-CN" altLang="en-US" dirty="0" smtClean="0"/>
+              <a:t>，初始化并启动自定义</a:t>
+            </a:r>
+            <a:r>
+              <a:rPr kumimoji="1" lang="en-US" altLang="zh-CN" dirty="0" smtClean="0"/>
+              <a:t>controller</a:t>
+            </a:r>
+          </a:p>
+          <a:p>
+            <a:r>
+              <a:rPr kumimoji="1" lang="zh-CN" altLang="en-US" dirty="0" smtClean="0"/>
+              <a:t>编写</a:t>
+            </a:r>
+            <a:r>
+              <a:rPr kumimoji="1" lang="en-US" altLang="zh-CN" dirty="0" err="1" smtClean="0"/>
+              <a:t>controller.go</a:t>
+            </a:r>
+            <a:r>
+              <a:rPr kumimoji="1" lang="zh-CN" altLang="en-US" dirty="0" smtClean="0"/>
+              <a:t>，监听获取自定义对象，实现控制循环逻辑</a:t>
+            </a:r>
+            <a:endParaRPr kumimoji="1" lang="en-US" altLang="zh-CN" dirty="0" smtClean="0"/>
+          </a:p>
+          <a:p>
+            <a:r>
+              <a:rPr kumimoji="1" lang="zh-CN" altLang="en-US" dirty="0" smtClean="0"/>
+              <a:t>编译整个项目，生成二进制文件</a:t>
+            </a:r>
+            <a:endParaRPr kumimoji="1" lang="en-US" altLang="zh-CN" dirty="0" smtClean="0"/>
+          </a:p>
+          <a:p>
+            <a:r>
+              <a:rPr kumimoji="1" lang="zh-CN" altLang="en-US" dirty="0" smtClean="0"/>
+              <a:t>启动二进制文件，使用</a:t>
+            </a:r>
+            <a:r>
+              <a:rPr kumimoji="1" lang="en-US" altLang="zh-CN" dirty="0" smtClean="0"/>
+              <a:t>Cr</a:t>
+            </a:r>
+            <a:r>
+              <a:rPr kumimoji="1" lang="zh-CN" altLang="en-US" dirty="0" smtClean="0"/>
+              <a:t>文件进行测试</a:t>
+            </a:r>
+            <a:endParaRPr kumimoji="1" lang="zh-CN" altLang="en-US" dirty="0"/>
+          </a:p>
+        </p:txBody>
+      </p:sp>
+    </p:spTree>
+    <p:extLst>
+      <p:ext uri="{BB962C8B-B14F-4D97-AF65-F5344CB8AC3E}">
+        <p14:creationId xmlns:p14="http://schemas.microsoft.com/office/powerpoint/2010/main" val="477461480"/>
+      </p:ext>
+    </p:extLst>
+  </p:cSld>
+  <p:clrMapOvr>
+    <a:masterClrMapping/>
+  </p:clrMapOvr>
+</p:sld>
+</file>
+
+<file path=ppt/slides/slide6.xml><?xml version="1.0" encoding="utf-8"?>
+<p:sld xmlns:a="http://schemas.openxmlformats.org/drawingml/2006/main" xmlns:r="http://schemas.openxmlformats.org/officeDocument/2006/relationships" xmlns:p="http://schemas.openxmlformats.org/presentationml/2006/main">
+  <p:cSld>
+    <p:spTree>
+      <p:nvGrpSpPr>
+        <p:cNvPr id="1" name=""/>
+        <p:cNvGrpSpPr/>
+        <p:nvPr/>
+      </p:nvGrpSpPr>
+      <p:grpSpPr>
+        <a:xfrm>
+          <a:off x="0" y="0"/>
+          <a:ext cx="0" cy="0"/>
+          <a:chOff x="0" y="0"/>
+          <a:chExt cx="0" cy="0"/>
+        </a:xfrm>
+      </p:grpSpPr>
+      <p:sp>
+        <p:nvSpPr>
+          <p:cNvPr id="2" name="标题 1"/>
+          <p:cNvSpPr>
+            <a:spLocks noGrp="1"/>
+          </p:cNvSpPr>
+          <p:nvPr>
+            <p:ph type="title"/>
+          </p:nvPr>
+        </p:nvSpPr>
+        <p:spPr/>
+        <p:txBody>
+          <a:bodyPr/>
+          <a:lstStyle/>
+          <a:p>
+            <a:r>
+              <a:rPr kumimoji="1" lang="en-US" altLang="zh-CN" dirty="0" smtClean="0"/>
+              <a:t>CRD-</a:t>
+            </a:r>
+            <a:r>
+              <a:rPr kumimoji="1" lang="zh-CN" altLang="en-US" dirty="0" smtClean="0"/>
+              <a:t>运行</a:t>
             </a:r>
             <a:endParaRPr kumimoji="1" lang="zh-CN" altLang="en-US" dirty="0"/>
           </a:p>
@@ -7022,6 +7922,810 @@
     <p:extLst>
       <p:ext uri="{BB962C8B-B14F-4D97-AF65-F5344CB8AC3E}">
         <p14:creationId xmlns:p14="http://schemas.microsoft.com/office/powerpoint/2010/main" val="562889350"/>
+      </p:ext>
+    </p:extLst>
+  </p:cSld>
+  <p:clrMapOvr>
+    <a:masterClrMapping/>
+  </p:clrMapOvr>
+</p:sld>
+</file>
+
+<file path=ppt/slides/slide7.xml><?xml version="1.0" encoding="utf-8"?>
+<p:sld xmlns:a="http://schemas.openxmlformats.org/drawingml/2006/main" xmlns:r="http://schemas.openxmlformats.org/officeDocument/2006/relationships" xmlns:p="http://schemas.openxmlformats.org/presentationml/2006/main">
+  <p:cSld>
+    <p:spTree>
+      <p:nvGrpSpPr>
+        <p:cNvPr id="1" name=""/>
+        <p:cNvGrpSpPr/>
+        <p:nvPr/>
+      </p:nvGrpSpPr>
+      <p:grpSpPr>
+        <a:xfrm>
+          <a:off x="0" y="0"/>
+          <a:ext cx="0" cy="0"/>
+          <a:chOff x="0" y="0"/>
+          <a:chExt cx="0" cy="0"/>
+        </a:xfrm>
+      </p:grpSpPr>
+      <p:sp>
+        <p:nvSpPr>
+          <p:cNvPr id="2" name="标题 1"/>
+          <p:cNvSpPr>
+            <a:spLocks noGrp="1"/>
+          </p:cNvSpPr>
+          <p:nvPr>
+            <p:ph type="title"/>
+          </p:nvPr>
+        </p:nvSpPr>
+        <p:spPr/>
+        <p:txBody>
+          <a:bodyPr/>
+          <a:lstStyle/>
+          <a:p>
+            <a:r>
+              <a:rPr kumimoji="1" lang="en-US" altLang="zh-CN" dirty="0" smtClean="0"/>
+              <a:t>Operator</a:t>
+            </a:r>
+            <a:endParaRPr kumimoji="1" lang="zh-CN" altLang="en-US" dirty="0"/>
+          </a:p>
+        </p:txBody>
+      </p:sp>
+      <p:sp>
+        <p:nvSpPr>
+          <p:cNvPr id="3" name="内容占位符 2"/>
+          <p:cNvSpPr>
+            <a:spLocks noGrp="1"/>
+          </p:cNvSpPr>
+          <p:nvPr>
+            <p:ph idx="1"/>
+          </p:nvPr>
+        </p:nvSpPr>
+        <p:spPr/>
+        <p:txBody>
+          <a:bodyPr/>
+          <a:lstStyle/>
+          <a:p>
+            <a:r>
+              <a:rPr lang="en-US" altLang="zh-CN" dirty="0" smtClean="0"/>
+              <a:t>CoreOS</a:t>
+            </a:r>
+            <a:r>
+              <a:rPr lang="zh-CN" altLang="en-US" dirty="0" smtClean="0"/>
+              <a:t>公司推出的简化</a:t>
+            </a:r>
+            <a:r>
+              <a:rPr lang="en-US" altLang="zh-CN" dirty="0" smtClean="0"/>
+              <a:t>CRD</a:t>
+            </a:r>
+            <a:r>
+              <a:rPr lang="zh-CN" altLang="en-US" dirty="0" smtClean="0"/>
+              <a:t>开发的</a:t>
+            </a:r>
+            <a:r>
+              <a:rPr lang="en-US" altLang="zh-CN" dirty="0" smtClean="0"/>
+              <a:t>SDK</a:t>
+            </a:r>
+          </a:p>
+          <a:p>
+            <a:endParaRPr lang="en-US" altLang="zh-CN" dirty="0"/>
+          </a:p>
+          <a:p>
+            <a:r>
+              <a:rPr lang="en-US" altLang="zh-CN" dirty="0" smtClean="0"/>
+              <a:t>RELEASE_VERSION=v0.8.1</a:t>
+            </a:r>
+            <a:endParaRPr lang="en-US" altLang="zh-CN" dirty="0"/>
+          </a:p>
+          <a:p>
+            <a:r>
+              <a:rPr lang="en-US" altLang="zh-CN" dirty="0"/>
+              <a:t>curl -OJL https://</a:t>
+            </a:r>
+            <a:r>
+              <a:rPr lang="en-US" altLang="zh-CN" dirty="0" err="1"/>
+              <a:t>github.com</a:t>
+            </a:r>
+            <a:r>
+              <a:rPr lang="en-US" altLang="zh-CN" dirty="0"/>
+              <a:t>/operator-framework/operator-</a:t>
+            </a:r>
+            <a:r>
+              <a:rPr lang="en-US" altLang="zh-CN" dirty="0" err="1"/>
+              <a:t>sdk</a:t>
+            </a:r>
+            <a:r>
+              <a:rPr lang="en-US" altLang="zh-CN" dirty="0"/>
+              <a:t>/releases/download/${RELEASE_VERSION}/operator-</a:t>
+            </a:r>
+            <a:r>
+              <a:rPr lang="en-US" altLang="zh-CN" dirty="0" err="1"/>
+              <a:t>sdk</a:t>
+            </a:r>
+            <a:r>
+              <a:rPr lang="en-US" altLang="zh-CN" dirty="0"/>
+              <a:t>-${RELEASE_VERSION}-x86_64-apple-darwin</a:t>
+            </a:r>
+          </a:p>
+          <a:p>
+            <a:r>
+              <a:rPr lang="en-US" altLang="zh-CN" dirty="0" err="1"/>
+              <a:t>chmod</a:t>
+            </a:r>
+            <a:r>
+              <a:rPr lang="en-US" altLang="zh-CN" dirty="0"/>
+              <a:t> +x operator-</a:t>
+            </a:r>
+            <a:r>
+              <a:rPr lang="en-US" altLang="zh-CN" dirty="0" err="1"/>
+              <a:t>sdk</a:t>
+            </a:r>
+            <a:r>
+              <a:rPr lang="en-US" altLang="zh-CN" dirty="0"/>
+              <a:t>-${RELEASE_VERSION}-x86_64-apple-darwin &amp;&amp; </a:t>
+            </a:r>
+            <a:r>
+              <a:rPr lang="en-US" altLang="zh-CN" dirty="0" err="1"/>
+              <a:t>sudo</a:t>
+            </a:r>
+            <a:r>
+              <a:rPr lang="en-US" altLang="zh-CN" dirty="0"/>
+              <a:t> </a:t>
+            </a:r>
+            <a:r>
+              <a:rPr lang="en-US" altLang="zh-CN" dirty="0" err="1"/>
+              <a:t>cp</a:t>
+            </a:r>
+            <a:r>
+              <a:rPr lang="en-US" altLang="zh-CN" dirty="0"/>
+              <a:t> operator-</a:t>
+            </a:r>
+            <a:r>
+              <a:rPr lang="en-US" altLang="zh-CN" dirty="0" err="1"/>
+              <a:t>sdk</a:t>
+            </a:r>
+            <a:r>
+              <a:rPr lang="en-US" altLang="zh-CN" dirty="0"/>
+              <a:t>-${RELEASE_VERSION}-x86_64-apple-darwin /</a:t>
+            </a:r>
+            <a:r>
+              <a:rPr lang="en-US" altLang="zh-CN" dirty="0" err="1"/>
+              <a:t>usr</a:t>
+            </a:r>
+            <a:r>
+              <a:rPr lang="en-US" altLang="zh-CN" dirty="0"/>
+              <a:t>/local/bin/operator-</a:t>
+            </a:r>
+            <a:r>
+              <a:rPr lang="en-US" altLang="zh-CN" dirty="0" err="1"/>
+              <a:t>sdk</a:t>
+            </a:r>
+            <a:r>
+              <a:rPr lang="en-US" altLang="zh-CN" dirty="0"/>
+              <a:t> &amp;&amp; </a:t>
+            </a:r>
+            <a:r>
+              <a:rPr lang="en-US" altLang="zh-CN" dirty="0" err="1"/>
+              <a:t>rm</a:t>
+            </a:r>
+            <a:r>
+              <a:rPr lang="en-US" altLang="zh-CN" dirty="0"/>
+              <a:t> operator-</a:t>
+            </a:r>
+            <a:r>
+              <a:rPr lang="en-US" altLang="zh-CN" dirty="0" err="1"/>
+              <a:t>sdk</a:t>
+            </a:r>
+            <a:r>
+              <a:rPr lang="en-US" altLang="zh-CN" dirty="0"/>
+              <a:t>-${RELEASE_VERSION}-x86_64-apple-darwin</a:t>
+            </a:r>
+          </a:p>
+          <a:p>
+            <a:endParaRPr kumimoji="1" lang="zh-CN" altLang="en-US" dirty="0"/>
+          </a:p>
+        </p:txBody>
+      </p:sp>
+    </p:spTree>
+    <p:extLst>
+      <p:ext uri="{BB962C8B-B14F-4D97-AF65-F5344CB8AC3E}">
+        <p14:creationId xmlns:p14="http://schemas.microsoft.com/office/powerpoint/2010/main" val="1814531717"/>
+      </p:ext>
+    </p:extLst>
+  </p:cSld>
+  <p:clrMapOvr>
+    <a:masterClrMapping/>
+  </p:clrMapOvr>
+</p:sld>
+</file>
+
+<file path=ppt/slides/slide8.xml><?xml version="1.0" encoding="utf-8"?>
+<p:sld xmlns:a="http://schemas.openxmlformats.org/drawingml/2006/main" xmlns:r="http://schemas.openxmlformats.org/officeDocument/2006/relationships" xmlns:p="http://schemas.openxmlformats.org/presentationml/2006/main">
+  <p:cSld>
+    <p:spTree>
+      <p:nvGrpSpPr>
+        <p:cNvPr id="1" name=""/>
+        <p:cNvGrpSpPr/>
+        <p:nvPr/>
+      </p:nvGrpSpPr>
+      <p:grpSpPr>
+        <a:xfrm>
+          <a:off x="0" y="0"/>
+          <a:ext cx="0" cy="0"/>
+          <a:chOff x="0" y="0"/>
+          <a:chExt cx="0" cy="0"/>
+        </a:xfrm>
+      </p:grpSpPr>
+      <p:sp>
+        <p:nvSpPr>
+          <p:cNvPr id="2" name="标题 1"/>
+          <p:cNvSpPr>
+            <a:spLocks noGrp="1"/>
+          </p:cNvSpPr>
+          <p:nvPr>
+            <p:ph type="title"/>
+          </p:nvPr>
+        </p:nvSpPr>
+        <p:spPr/>
+        <p:txBody>
+          <a:bodyPr/>
+          <a:lstStyle/>
+          <a:p>
+            <a:r>
+              <a:rPr kumimoji="1" lang="en-US" altLang="zh-CN" dirty="0"/>
+              <a:t>Operator</a:t>
+            </a:r>
+            <a:endParaRPr kumimoji="1" lang="zh-CN" altLang="en-US" dirty="0"/>
+          </a:p>
+        </p:txBody>
+      </p:sp>
+      <p:sp>
+        <p:nvSpPr>
+          <p:cNvPr id="3" name="内容占位符 2"/>
+          <p:cNvSpPr>
+            <a:spLocks noGrp="1"/>
+          </p:cNvSpPr>
+          <p:nvPr>
+            <p:ph idx="1"/>
+          </p:nvPr>
+        </p:nvSpPr>
+        <p:spPr/>
+        <p:txBody>
+          <a:bodyPr>
+            <a:normAutofit fontScale="77500" lnSpcReduction="20000"/>
+          </a:bodyPr>
+          <a:lstStyle/>
+          <a:p>
+            <a:r>
+              <a:rPr lang="en-US" altLang="zh-CN" dirty="0" err="1"/>
+              <a:t>mkdir</a:t>
+            </a:r>
+            <a:r>
+              <a:rPr lang="en-US" altLang="zh-CN" dirty="0"/>
+              <a:t> -p $GOPATH/</a:t>
+            </a:r>
+            <a:r>
+              <a:rPr lang="en-US" altLang="zh-CN" dirty="0" err="1"/>
+              <a:t>src</a:t>
+            </a:r>
+            <a:r>
+              <a:rPr lang="en-US" altLang="zh-CN" dirty="0"/>
+              <a:t>/</a:t>
+            </a:r>
+            <a:r>
+              <a:rPr lang="en-US" altLang="zh-CN" dirty="0" err="1"/>
+              <a:t>github.com</a:t>
+            </a:r>
+            <a:r>
+              <a:rPr lang="en-US" altLang="zh-CN" dirty="0"/>
+              <a:t>/example-</a:t>
+            </a:r>
+            <a:r>
+              <a:rPr lang="en-US" altLang="zh-CN" dirty="0" err="1"/>
+              <a:t>inc</a:t>
+            </a:r>
+            <a:r>
+              <a:rPr lang="en-US" altLang="zh-CN" dirty="0"/>
+              <a:t>/</a:t>
+            </a:r>
+          </a:p>
+          <a:p>
+            <a:r>
+              <a:rPr lang="en-US" altLang="zh-CN" dirty="0"/>
+              <a:t>cd $GOPATH/</a:t>
+            </a:r>
+            <a:r>
+              <a:rPr lang="en-US" altLang="zh-CN" dirty="0" err="1"/>
+              <a:t>src</a:t>
+            </a:r>
+            <a:r>
+              <a:rPr lang="en-US" altLang="zh-CN" dirty="0"/>
+              <a:t>/</a:t>
+            </a:r>
+            <a:r>
+              <a:rPr lang="en-US" altLang="zh-CN" dirty="0" err="1"/>
+              <a:t>github.com</a:t>
+            </a:r>
+            <a:r>
+              <a:rPr lang="en-US" altLang="zh-CN" dirty="0"/>
+              <a:t>/example-</a:t>
+            </a:r>
+            <a:r>
+              <a:rPr lang="en-US" altLang="zh-CN" dirty="0" err="1"/>
+              <a:t>inc</a:t>
+            </a:r>
+            <a:r>
+              <a:rPr lang="en-US" altLang="zh-CN" dirty="0"/>
+              <a:t>/</a:t>
+            </a:r>
+          </a:p>
+          <a:p>
+            <a:r>
+              <a:rPr lang="en-US" altLang="zh-CN" dirty="0"/>
+              <a:t>export </a:t>
+            </a:r>
+            <a:r>
+              <a:rPr lang="en-US" altLang="zh-CN" dirty="0" smtClean="0"/>
+              <a:t>GO111MODULE=on</a:t>
+            </a:r>
+          </a:p>
+          <a:p>
+            <a:endParaRPr lang="en-US" altLang="zh-CN" dirty="0"/>
+          </a:p>
+          <a:p>
+            <a:r>
+              <a:rPr lang="en-US" altLang="zh-CN" dirty="0"/>
+              <a:t>operator-</a:t>
+            </a:r>
+            <a:r>
+              <a:rPr lang="en-US" altLang="zh-CN" dirty="0" err="1"/>
+              <a:t>sdk</a:t>
+            </a:r>
+            <a:r>
+              <a:rPr lang="en-US" altLang="zh-CN" dirty="0"/>
+              <a:t> new app-operator</a:t>
+            </a:r>
+          </a:p>
+          <a:p>
+            <a:r>
+              <a:rPr lang="en-US" altLang="zh-CN" dirty="0"/>
+              <a:t>cd app-operator/</a:t>
+            </a:r>
+          </a:p>
+          <a:p>
+            <a:endParaRPr lang="en-US" altLang="zh-CN" dirty="0" smtClean="0"/>
+          </a:p>
+          <a:p>
+            <a:r>
+              <a:rPr lang="en-US" altLang="zh-CN" dirty="0"/>
+              <a:t>operator-</a:t>
+            </a:r>
+            <a:r>
+              <a:rPr lang="en-US" altLang="zh-CN" dirty="0" err="1"/>
+              <a:t>sdk</a:t>
+            </a:r>
+            <a:r>
+              <a:rPr lang="en-US" altLang="zh-CN" dirty="0"/>
+              <a:t> add </a:t>
+            </a:r>
+            <a:r>
+              <a:rPr lang="en-US" altLang="zh-CN" dirty="0" err="1"/>
+              <a:t>api</a:t>
+            </a:r>
+            <a:r>
+              <a:rPr lang="en-US" altLang="zh-CN" dirty="0"/>
+              <a:t> --</a:t>
+            </a:r>
+            <a:r>
+              <a:rPr lang="en-US" altLang="zh-CN" dirty="0" err="1"/>
+              <a:t>api</a:t>
+            </a:r>
+            <a:r>
+              <a:rPr lang="en-US" altLang="zh-CN" dirty="0"/>
+              <a:t>-version=</a:t>
+            </a:r>
+            <a:r>
+              <a:rPr lang="en-US" altLang="zh-CN" dirty="0" err="1"/>
+              <a:t>app.example.com</a:t>
+            </a:r>
+            <a:r>
+              <a:rPr lang="en-US" altLang="zh-CN" dirty="0"/>
+              <a:t>/v1alpha1 --kind=</a:t>
+            </a:r>
+            <a:r>
+              <a:rPr lang="en-US" altLang="zh-CN" dirty="0" err="1"/>
+              <a:t>AppService</a:t>
+            </a:r>
+            <a:endParaRPr lang="en-US" altLang="zh-CN" dirty="0"/>
+          </a:p>
+          <a:p>
+            <a:r>
+              <a:rPr lang="en-US" altLang="zh-CN" dirty="0"/>
+              <a:t>operator-</a:t>
+            </a:r>
+            <a:r>
+              <a:rPr lang="en-US" altLang="zh-CN" dirty="0" err="1"/>
+              <a:t>sdk</a:t>
+            </a:r>
+            <a:r>
+              <a:rPr lang="en-US" altLang="zh-CN" dirty="0"/>
+              <a:t> add controller --</a:t>
+            </a:r>
+            <a:r>
+              <a:rPr lang="en-US" altLang="zh-CN" dirty="0" err="1"/>
+              <a:t>api</a:t>
+            </a:r>
+            <a:r>
+              <a:rPr lang="en-US" altLang="zh-CN" dirty="0"/>
+              <a:t>-version=</a:t>
+            </a:r>
+            <a:r>
+              <a:rPr lang="en-US" altLang="zh-CN" dirty="0" err="1"/>
+              <a:t>app.example.com</a:t>
+            </a:r>
+            <a:r>
+              <a:rPr lang="en-US" altLang="zh-CN" dirty="0"/>
+              <a:t>/v1alpha1 --</a:t>
+            </a:r>
+            <a:r>
+              <a:rPr lang="en-US" altLang="zh-CN" dirty="0" smtClean="0"/>
+              <a:t>kind=</a:t>
+            </a:r>
+            <a:r>
+              <a:rPr lang="en-US" altLang="zh-CN" dirty="0" err="1" smtClean="0"/>
+              <a:t>AppService</a:t>
+            </a:r>
+            <a:endParaRPr lang="en-US" altLang="zh-CN" dirty="0" smtClean="0"/>
+          </a:p>
+          <a:p>
+            <a:endParaRPr lang="en-US" altLang="zh-CN" dirty="0"/>
+          </a:p>
+          <a:p>
+            <a:r>
+              <a:rPr lang="en-US" altLang="zh-CN" dirty="0"/>
+              <a:t>go mod </a:t>
+            </a:r>
+            <a:r>
+              <a:rPr lang="en-US" altLang="zh-CN" dirty="0" smtClean="0"/>
+              <a:t>vendor</a:t>
+            </a:r>
+          </a:p>
+          <a:p>
+            <a:r>
+              <a:rPr lang="en-US" altLang="zh-CN" dirty="0"/>
+              <a:t>operator-</a:t>
+            </a:r>
+            <a:r>
+              <a:rPr lang="en-US" altLang="zh-CN" dirty="0" err="1"/>
+              <a:t>sdk</a:t>
+            </a:r>
+            <a:r>
+              <a:rPr lang="en-US" altLang="zh-CN" dirty="0"/>
+              <a:t> build </a:t>
+            </a:r>
+            <a:r>
+              <a:rPr lang="en-US" altLang="zh-CN" dirty="0" err="1" smtClean="0"/>
+              <a:t>quay.io</a:t>
+            </a:r>
+            <a:r>
+              <a:rPr lang="en-US" altLang="zh-CN" dirty="0" smtClean="0"/>
+              <a:t>/example/app-operator</a:t>
+            </a:r>
+            <a:endParaRPr lang="en-US" altLang="zh-CN" dirty="0"/>
+          </a:p>
+          <a:p>
+            <a:endParaRPr kumimoji="1" lang="zh-CN" altLang="en-US" dirty="0"/>
+          </a:p>
+        </p:txBody>
+      </p:sp>
+    </p:spTree>
+    <p:extLst>
+      <p:ext uri="{BB962C8B-B14F-4D97-AF65-F5344CB8AC3E}">
+        <p14:creationId xmlns:p14="http://schemas.microsoft.com/office/powerpoint/2010/main" val="582526654"/>
+      </p:ext>
+    </p:extLst>
+  </p:cSld>
+  <p:clrMapOvr>
+    <a:masterClrMapping/>
+  </p:clrMapOvr>
+</p:sld>
+</file>
+
+<file path=ppt/slides/slide9.xml><?xml version="1.0" encoding="utf-8"?>
+<p:sld xmlns:a="http://schemas.openxmlformats.org/drawingml/2006/main" xmlns:r="http://schemas.openxmlformats.org/officeDocument/2006/relationships" xmlns:p="http://schemas.openxmlformats.org/presentationml/2006/main">
+  <p:cSld>
+    <p:spTree>
+      <p:nvGrpSpPr>
+        <p:cNvPr id="1" name=""/>
+        <p:cNvGrpSpPr/>
+        <p:nvPr/>
+      </p:nvGrpSpPr>
+      <p:grpSpPr>
+        <a:xfrm>
+          <a:off x="0" y="0"/>
+          <a:ext cx="0" cy="0"/>
+          <a:chOff x="0" y="0"/>
+          <a:chExt cx="0" cy="0"/>
+        </a:xfrm>
+      </p:grpSpPr>
+      <p:sp>
+        <p:nvSpPr>
+          <p:cNvPr id="2" name="标题 1"/>
+          <p:cNvSpPr>
+            <a:spLocks noGrp="1"/>
+          </p:cNvSpPr>
+          <p:nvPr>
+            <p:ph type="title"/>
+          </p:nvPr>
+        </p:nvSpPr>
+        <p:spPr/>
+        <p:txBody>
+          <a:bodyPr/>
+          <a:lstStyle/>
+          <a:p>
+            <a:r>
+              <a:rPr kumimoji="1" lang="en-US" altLang="zh-CN" dirty="0"/>
+              <a:t>Operator</a:t>
+            </a:r>
+            <a:endParaRPr kumimoji="1" lang="zh-CN" altLang="en-US" dirty="0"/>
+          </a:p>
+        </p:txBody>
+      </p:sp>
+      <p:sp>
+        <p:nvSpPr>
+          <p:cNvPr id="3" name="内容占位符 2"/>
+          <p:cNvSpPr>
+            <a:spLocks noGrp="1"/>
+          </p:cNvSpPr>
+          <p:nvPr>
+            <p:ph idx="1"/>
+          </p:nvPr>
+        </p:nvSpPr>
+        <p:spPr>
+          <a:xfrm>
+            <a:off x="810000" y="2580096"/>
+            <a:ext cx="10554574" cy="3636511"/>
+          </a:xfrm>
+        </p:spPr>
+        <p:txBody>
+          <a:bodyPr>
+            <a:normAutofit fontScale="70000" lnSpcReduction="20000"/>
+          </a:bodyPr>
+          <a:lstStyle/>
+          <a:p>
+            <a:r>
+              <a:rPr lang="en-US" altLang="zh-CN" dirty="0" err="1"/>
+              <a:t>sed</a:t>
+            </a:r>
+            <a:r>
+              <a:rPr lang="en-US" altLang="zh-CN" dirty="0"/>
+              <a:t> -</a:t>
+            </a:r>
+            <a:r>
+              <a:rPr lang="en-US" altLang="zh-CN" dirty="0" err="1"/>
+              <a:t>i</a:t>
+            </a:r>
+            <a:r>
+              <a:rPr lang="en-US" altLang="zh-CN" dirty="0"/>
+              <a:t> "" '</a:t>
+            </a:r>
+            <a:r>
+              <a:rPr lang="en-US" altLang="zh-CN" dirty="0" err="1"/>
+              <a:t>s|REPLACE_IMAGE|quay.io</a:t>
+            </a:r>
+            <a:r>
+              <a:rPr lang="en-US" altLang="zh-CN" dirty="0"/>
+              <a:t>/example/</a:t>
+            </a:r>
+            <a:r>
+              <a:rPr lang="en-US" altLang="zh-CN" dirty="0" err="1"/>
+              <a:t>app-operator|g</a:t>
+            </a:r>
+            <a:r>
+              <a:rPr lang="en-US" altLang="zh-CN" dirty="0"/>
+              <a:t>' </a:t>
+            </a:r>
+            <a:r>
+              <a:rPr lang="en-US" altLang="zh-CN" dirty="0" smtClean="0"/>
+              <a:t>deploy/</a:t>
+            </a:r>
+            <a:r>
+              <a:rPr lang="en-US" altLang="zh-CN" dirty="0" err="1" smtClean="0"/>
+              <a:t>operator.yaml</a:t>
+            </a:r>
+            <a:endParaRPr lang="en-US" altLang="zh-CN" dirty="0" smtClean="0"/>
+          </a:p>
+          <a:p>
+            <a:pPr lvl="1"/>
+            <a:r>
+              <a:rPr lang="zh-CN" altLang="en-US" dirty="0" smtClean="0"/>
+              <a:t>同时修改</a:t>
+            </a:r>
+            <a:r>
+              <a:rPr lang="en-US" altLang="zh-CN" dirty="0"/>
+              <a:t>deploy/</a:t>
+            </a:r>
+            <a:r>
+              <a:rPr lang="en-US" altLang="zh-CN" dirty="0" err="1"/>
+              <a:t>operator.yaml</a:t>
+            </a:r>
+            <a:r>
+              <a:rPr lang="zh-CN" altLang="en-US" dirty="0"/>
+              <a:t>的</a:t>
+            </a:r>
+            <a:r>
+              <a:rPr lang="en-US" altLang="zh-CN" dirty="0" err="1"/>
+              <a:t>imagePullPolicy</a:t>
+            </a:r>
+            <a:r>
+              <a:rPr lang="zh-CN" altLang="en-US" dirty="0"/>
+              <a:t>为</a:t>
+            </a:r>
+            <a:r>
+              <a:rPr lang="en-US" altLang="zh-CN" dirty="0" smtClean="0"/>
+              <a:t>Never</a:t>
+            </a:r>
+          </a:p>
+          <a:p>
+            <a:endParaRPr lang="en-US" altLang="zh-CN" dirty="0"/>
+          </a:p>
+          <a:p>
+            <a:r>
+              <a:rPr lang="en-US" altLang="zh-CN" dirty="0" err="1"/>
+              <a:t>kubectl</a:t>
+            </a:r>
+            <a:r>
+              <a:rPr lang="en-US" altLang="zh-CN" dirty="0"/>
+              <a:t> create -f deploy/</a:t>
+            </a:r>
+            <a:r>
+              <a:rPr lang="en-US" altLang="zh-CN" dirty="0" err="1"/>
+              <a:t>service_account.yaml</a:t>
+            </a:r>
+            <a:endParaRPr lang="en-US" altLang="zh-CN" dirty="0"/>
+          </a:p>
+          <a:p>
+            <a:r>
+              <a:rPr lang="en-US" altLang="zh-CN" dirty="0" err="1"/>
+              <a:t>kubectl</a:t>
+            </a:r>
+            <a:r>
+              <a:rPr lang="en-US" altLang="zh-CN" dirty="0"/>
+              <a:t> create -f deploy/</a:t>
+            </a:r>
+            <a:r>
+              <a:rPr lang="en-US" altLang="zh-CN" dirty="0" err="1"/>
+              <a:t>role.yaml</a:t>
+            </a:r>
+            <a:endParaRPr lang="en-US" altLang="zh-CN" dirty="0"/>
+          </a:p>
+          <a:p>
+            <a:r>
+              <a:rPr lang="en-US" altLang="zh-CN" dirty="0" err="1"/>
+              <a:t>kubectl</a:t>
+            </a:r>
+            <a:r>
+              <a:rPr lang="en-US" altLang="zh-CN" dirty="0"/>
+              <a:t> create -f deploy/</a:t>
+            </a:r>
+            <a:r>
+              <a:rPr lang="en-US" altLang="zh-CN" dirty="0" err="1"/>
+              <a:t>role_binding.yaml</a:t>
+            </a:r>
+            <a:endParaRPr lang="en-US" altLang="zh-CN" dirty="0"/>
+          </a:p>
+          <a:p>
+            <a:endParaRPr lang="en-US" altLang="zh-CN" dirty="0" smtClean="0"/>
+          </a:p>
+          <a:p>
+            <a:r>
+              <a:rPr lang="en-US" altLang="zh-CN" dirty="0" err="1"/>
+              <a:t>kubectl</a:t>
+            </a:r>
+            <a:r>
+              <a:rPr lang="en-US" altLang="zh-CN" dirty="0"/>
+              <a:t> create -f deploy/</a:t>
+            </a:r>
+            <a:r>
+              <a:rPr lang="en-US" altLang="zh-CN" dirty="0" err="1"/>
+              <a:t>crds</a:t>
+            </a:r>
+            <a:r>
+              <a:rPr lang="en-US" altLang="zh-CN" dirty="0"/>
+              <a:t>/app_v1alpha1_appservice_crd.yaml</a:t>
+            </a:r>
+          </a:p>
+          <a:p>
+            <a:r>
+              <a:rPr lang="en-US" altLang="zh-CN" dirty="0" err="1"/>
+              <a:t>kubectl</a:t>
+            </a:r>
+            <a:r>
+              <a:rPr lang="en-US" altLang="zh-CN" dirty="0"/>
+              <a:t> create -f deploy/</a:t>
+            </a:r>
+            <a:r>
+              <a:rPr lang="en-US" altLang="zh-CN" dirty="0" err="1"/>
+              <a:t>operator.yaml</a:t>
+            </a:r>
+            <a:endParaRPr lang="en-US" altLang="zh-CN" dirty="0"/>
+          </a:p>
+          <a:p>
+            <a:r>
+              <a:rPr lang="en-US" altLang="zh-CN" dirty="0" err="1"/>
+              <a:t>kubectl</a:t>
+            </a:r>
+            <a:r>
+              <a:rPr lang="en-US" altLang="zh-CN" dirty="0"/>
+              <a:t> create -f deploy/</a:t>
+            </a:r>
+            <a:r>
+              <a:rPr lang="en-US" altLang="zh-CN" dirty="0" err="1"/>
+              <a:t>crds</a:t>
+            </a:r>
+            <a:r>
+              <a:rPr lang="en-US" altLang="zh-CN" dirty="0"/>
+              <a:t>/app_v1alpha1_appservice_cr.yaml</a:t>
+            </a:r>
+          </a:p>
+          <a:p>
+            <a:endParaRPr lang="en-US" altLang="zh-CN" dirty="0" smtClean="0"/>
+          </a:p>
+          <a:p>
+            <a:r>
+              <a:rPr lang="en-US" altLang="zh-CN" dirty="0" err="1"/>
+              <a:t>kubectl</a:t>
+            </a:r>
+            <a:r>
+              <a:rPr lang="en-US" altLang="zh-CN" dirty="0"/>
+              <a:t> get pod -l app=example-</a:t>
+            </a:r>
+            <a:r>
+              <a:rPr lang="en-US" altLang="zh-CN" dirty="0" err="1"/>
+              <a:t>appservice</a:t>
+            </a:r>
+            <a:endParaRPr lang="en-US" altLang="zh-CN" dirty="0"/>
+          </a:p>
+          <a:p>
+            <a:r>
+              <a:rPr lang="en-US" altLang="zh-CN" dirty="0" err="1"/>
+              <a:t>kubectl</a:t>
+            </a:r>
+            <a:r>
+              <a:rPr lang="en-US" altLang="zh-CN" dirty="0"/>
+              <a:t> describe </a:t>
+            </a:r>
+            <a:r>
+              <a:rPr lang="en-US" altLang="zh-CN" dirty="0" err="1"/>
+              <a:t>appservice</a:t>
+            </a:r>
+            <a:r>
+              <a:rPr lang="en-US" altLang="zh-CN" dirty="0"/>
+              <a:t> </a:t>
+            </a:r>
+            <a:r>
+              <a:rPr lang="en-US" altLang="zh-CN" dirty="0" smtClean="0"/>
+              <a:t>example-</a:t>
+            </a:r>
+            <a:r>
+              <a:rPr lang="en-US" altLang="zh-CN" dirty="0" err="1" smtClean="0"/>
+              <a:t>appservice</a:t>
+            </a:r>
+            <a:endParaRPr lang="en-US" altLang="zh-CN" dirty="0"/>
+          </a:p>
+          <a:p>
+            <a:pPr lvl="1"/>
+            <a:endParaRPr lang="en-US" altLang="zh-CN" dirty="0"/>
+          </a:p>
+          <a:p>
+            <a:endParaRPr kumimoji="1" lang="zh-CN" altLang="en-US" dirty="0"/>
+          </a:p>
+        </p:txBody>
+      </p:sp>
+    </p:spTree>
+    <p:extLst>
+      <p:ext uri="{BB962C8B-B14F-4D97-AF65-F5344CB8AC3E}">
+        <p14:creationId xmlns:p14="http://schemas.microsoft.com/office/powerpoint/2010/main" val="927273403"/>
       </p:ext>
     </p:extLst>
   </p:cSld>
